--- a/docs/diagrams.pptx
+++ b/docs/diagrams.pptx
@@ -6,6 +6,8 @@
   </p:sldMasterIdLst>
   <p:sldIdLst>
     <p:sldId id="256" r:id="rId2"/>
+    <p:sldId id="257" r:id="rId3"/>
+    <p:sldId id="258" r:id="rId4"/>
   </p:sldIdLst>
   <p:sldSz cx="12192000" cy="6858000"/>
   <p:notesSz cx="6858000" cy="9144000"/>
@@ -104,6 +106,11 @@
       </a:defRPr>
     </a:lvl9pPr>
   </p:defaultTextStyle>
+  <p:extLst>
+    <p:ext uri="{EFAFB233-063F-42B5-8137-9DF3F51BA10A}">
+      <p15:sldGuideLst xmlns:p15="http://schemas.microsoft.com/office/powerpoint/2012/main"/>
+    </p:ext>
+  </p:extLst>
 </p:presentation>
 </file>
 
@@ -4688,6 +4695,3454 @@
 </p:sld>
 </file>
 
+<file path=ppt/slides/slide2.xml><?xml version="1.0" encoding="utf-8"?>
+<p:sld xmlns:a="http://schemas.openxmlformats.org/drawingml/2006/main" xmlns:r="http://schemas.openxmlformats.org/officeDocument/2006/relationships" xmlns:p="http://schemas.openxmlformats.org/presentationml/2006/main">
+  <p:cSld>
+    <p:spTree>
+      <p:nvGrpSpPr>
+        <p:cNvPr id="1" name=""/>
+        <p:cNvGrpSpPr/>
+        <p:nvPr/>
+      </p:nvGrpSpPr>
+      <p:grpSpPr>
+        <a:xfrm>
+          <a:off x="0" y="0"/>
+          <a:ext cx="0" cy="0"/>
+          <a:chOff x="0" y="0"/>
+          <a:chExt cx="0" cy="0"/>
+        </a:xfrm>
+      </p:grpSpPr>
+      <p:sp>
+        <p:nvSpPr>
+          <p:cNvPr id="32" name="Rounded Rectangle 31">
+            <a:extLst>
+              <a:ext uri="{FF2B5EF4-FFF2-40B4-BE49-F238E27FC236}">
+                <a16:creationId xmlns:a16="http://schemas.microsoft.com/office/drawing/2014/main" id="{4895B7C1-4478-4B49-9751-A96AA7F82671}"/>
+              </a:ext>
+            </a:extLst>
+          </p:cNvPr>
+          <p:cNvSpPr/>
+          <p:nvPr/>
+        </p:nvSpPr>
+        <p:spPr>
+          <a:xfrm>
+            <a:off x="9024166" y="2968458"/>
+            <a:ext cx="1112144" cy="1070779"/>
+          </a:xfrm>
+          <a:prstGeom prst="roundRect">
+            <a:avLst/>
+          </a:prstGeom>
+          <a:solidFill>
+            <a:schemeClr val="bg1"/>
+          </a:solidFill>
+        </p:spPr>
+        <p:style>
+          <a:lnRef idx="2">
+            <a:schemeClr val="accent1">
+              <a:shade val="50000"/>
+            </a:schemeClr>
+          </a:lnRef>
+          <a:fillRef idx="1">
+            <a:schemeClr val="accent1"/>
+          </a:fillRef>
+          <a:effectRef idx="0">
+            <a:schemeClr val="accent1"/>
+          </a:effectRef>
+          <a:fontRef idx="minor">
+            <a:schemeClr val="lt1"/>
+          </a:fontRef>
+        </p:style>
+        <p:txBody>
+          <a:bodyPr rtlCol="0" anchor="ctr"/>
+          <a:lstStyle/>
+          <a:p>
+            <a:pPr algn="ctr"/>
+            <a:r>
+              <a:rPr lang="en-US" sz="1100" dirty="0">
+                <a:solidFill>
+                  <a:schemeClr val="tx1"/>
+                </a:solidFill>
+              </a:rPr>
+              <a:t>Predictions Database</a:t>
+            </a:r>
+            <a:br>
+              <a:rPr lang="en-US" sz="1100" dirty="0">
+                <a:solidFill>
+                  <a:schemeClr val="tx1"/>
+                </a:solidFill>
+              </a:rPr>
+            </a:br>
+            <a:br>
+              <a:rPr lang="en-US" sz="1100" dirty="0">
+                <a:solidFill>
+                  <a:schemeClr val="tx1"/>
+                </a:solidFill>
+              </a:rPr>
+            </a:br>
+            <a:br>
+              <a:rPr lang="en-US" sz="1100" dirty="0">
+                <a:solidFill>
+                  <a:schemeClr val="tx1"/>
+                </a:solidFill>
+              </a:rPr>
+            </a:br>
+            <a:endParaRPr lang="en-US" sz="1100" dirty="0">
+              <a:solidFill>
+                <a:schemeClr val="tx1"/>
+              </a:solidFill>
+            </a:endParaRPr>
+          </a:p>
+        </p:txBody>
+      </p:sp>
+      <p:sp>
+        <p:nvSpPr>
+          <p:cNvPr id="5" name="Rounded Rectangle 4">
+            <a:extLst>
+              <a:ext uri="{FF2B5EF4-FFF2-40B4-BE49-F238E27FC236}">
+                <a16:creationId xmlns:a16="http://schemas.microsoft.com/office/drawing/2014/main" id="{4117FAB6-E363-A844-9383-553831578974}"/>
+              </a:ext>
+            </a:extLst>
+          </p:cNvPr>
+          <p:cNvSpPr/>
+          <p:nvPr/>
+        </p:nvSpPr>
+        <p:spPr>
+          <a:xfrm>
+            <a:off x="4435800" y="1366524"/>
+            <a:ext cx="1377696" cy="2857494"/>
+          </a:xfrm>
+          <a:prstGeom prst="roundRect">
+            <a:avLst/>
+          </a:prstGeom>
+          <a:solidFill>
+            <a:schemeClr val="bg1">
+              <a:lumMod val="85000"/>
+            </a:schemeClr>
+          </a:solidFill>
+        </p:spPr>
+        <p:style>
+          <a:lnRef idx="2">
+            <a:schemeClr val="accent1">
+              <a:shade val="50000"/>
+            </a:schemeClr>
+          </a:lnRef>
+          <a:fillRef idx="1">
+            <a:schemeClr val="accent1"/>
+          </a:fillRef>
+          <a:effectRef idx="0">
+            <a:schemeClr val="accent1"/>
+          </a:effectRef>
+          <a:fontRef idx="minor">
+            <a:schemeClr val="lt1"/>
+          </a:fontRef>
+        </p:style>
+        <p:txBody>
+          <a:bodyPr rtlCol="0" anchor="ctr"/>
+          <a:lstStyle/>
+          <a:p>
+            <a:pPr algn="ctr"/>
+            <a:r>
+              <a:rPr lang="en-US" dirty="0">
+                <a:solidFill>
+                  <a:schemeClr val="tx1"/>
+                </a:solidFill>
+              </a:rPr>
+              <a:t>RESTful Server</a:t>
+            </a:r>
+            <a:br>
+              <a:rPr lang="en-US" dirty="0">
+                <a:solidFill>
+                  <a:schemeClr val="tx1"/>
+                </a:solidFill>
+              </a:rPr>
+            </a:br>
+            <a:br>
+              <a:rPr lang="en-US" dirty="0">
+                <a:solidFill>
+                  <a:schemeClr val="tx1"/>
+                </a:solidFill>
+              </a:rPr>
+            </a:br>
+            <a:endParaRPr lang="en-US" dirty="0">
+              <a:solidFill>
+                <a:schemeClr val="tx1"/>
+              </a:solidFill>
+            </a:endParaRPr>
+          </a:p>
+        </p:txBody>
+      </p:sp>
+      <p:sp>
+        <p:nvSpPr>
+          <p:cNvPr id="9" name="Rounded Rectangle 8">
+            <a:extLst>
+              <a:ext uri="{FF2B5EF4-FFF2-40B4-BE49-F238E27FC236}">
+                <a16:creationId xmlns:a16="http://schemas.microsoft.com/office/drawing/2014/main" id="{3C1E47CB-E31D-1244-B89B-C61E8A2A6A6D}"/>
+              </a:ext>
+            </a:extLst>
+          </p:cNvPr>
+          <p:cNvSpPr/>
+          <p:nvPr/>
+        </p:nvSpPr>
+        <p:spPr>
+          <a:xfrm>
+            <a:off x="2456688" y="1688241"/>
+            <a:ext cx="1377696" cy="816864"/>
+          </a:xfrm>
+          <a:prstGeom prst="roundRect">
+            <a:avLst/>
+          </a:prstGeom>
+          <a:solidFill>
+            <a:schemeClr val="accent6"/>
+          </a:solidFill>
+        </p:spPr>
+        <p:style>
+          <a:lnRef idx="2">
+            <a:schemeClr val="accent1">
+              <a:shade val="50000"/>
+            </a:schemeClr>
+          </a:lnRef>
+          <a:fillRef idx="1">
+            <a:schemeClr val="accent1"/>
+          </a:fillRef>
+          <a:effectRef idx="0">
+            <a:schemeClr val="accent1"/>
+          </a:effectRef>
+          <a:fontRef idx="minor">
+            <a:schemeClr val="lt1"/>
+          </a:fontRef>
+        </p:style>
+        <p:txBody>
+          <a:bodyPr rtlCol="0" anchor="ctr"/>
+          <a:lstStyle/>
+          <a:p>
+            <a:pPr algn="ctr"/>
+            <a:r>
+              <a:rPr lang="en-US" dirty="0">
+                <a:solidFill>
+                  <a:schemeClr val="tx1"/>
+                </a:solidFill>
+              </a:rPr>
+              <a:t>POST</a:t>
+            </a:r>
+          </a:p>
+        </p:txBody>
+      </p:sp>
+      <p:sp>
+        <p:nvSpPr>
+          <p:cNvPr id="10" name="Rounded Rectangle 9">
+            <a:extLst>
+              <a:ext uri="{FF2B5EF4-FFF2-40B4-BE49-F238E27FC236}">
+                <a16:creationId xmlns:a16="http://schemas.microsoft.com/office/drawing/2014/main" id="{9A65A88C-EB7A-F143-8658-B9B915983E65}"/>
+              </a:ext>
+            </a:extLst>
+          </p:cNvPr>
+          <p:cNvSpPr/>
+          <p:nvPr/>
+        </p:nvSpPr>
+        <p:spPr>
+          <a:xfrm>
+            <a:off x="2456688" y="3084576"/>
+            <a:ext cx="1377696" cy="816864"/>
+          </a:xfrm>
+          <a:prstGeom prst="roundRect">
+            <a:avLst/>
+          </a:prstGeom>
+          <a:solidFill>
+            <a:schemeClr val="bg1">
+              <a:lumMod val="85000"/>
+            </a:schemeClr>
+          </a:solidFill>
+        </p:spPr>
+        <p:style>
+          <a:lnRef idx="2">
+            <a:schemeClr val="accent1">
+              <a:shade val="50000"/>
+            </a:schemeClr>
+          </a:lnRef>
+          <a:fillRef idx="1">
+            <a:schemeClr val="accent1"/>
+          </a:fillRef>
+          <a:effectRef idx="0">
+            <a:schemeClr val="accent1"/>
+          </a:effectRef>
+          <a:fontRef idx="minor">
+            <a:schemeClr val="lt1"/>
+          </a:fontRef>
+        </p:style>
+        <p:txBody>
+          <a:bodyPr rtlCol="0" anchor="ctr"/>
+          <a:lstStyle/>
+          <a:p>
+            <a:pPr algn="ctr"/>
+            <a:r>
+              <a:rPr lang="en-US">
+                <a:solidFill>
+                  <a:schemeClr val="tx1"/>
+                </a:solidFill>
+              </a:rPr>
+              <a:t>GET</a:t>
+            </a:r>
+            <a:endParaRPr lang="en-US" dirty="0">
+              <a:solidFill>
+                <a:schemeClr val="tx1"/>
+              </a:solidFill>
+            </a:endParaRPr>
+          </a:p>
+        </p:txBody>
+      </p:sp>
+      <p:cxnSp>
+        <p:nvCxnSpPr>
+          <p:cNvPr id="7" name="Straight Arrow Connector 6">
+            <a:extLst>
+              <a:ext uri="{FF2B5EF4-FFF2-40B4-BE49-F238E27FC236}">
+                <a16:creationId xmlns:a16="http://schemas.microsoft.com/office/drawing/2014/main" id="{148CC5B3-D7CA-3749-B1DF-20D0F5EB52FE}"/>
+              </a:ext>
+            </a:extLst>
+          </p:cNvPr>
+          <p:cNvCxnSpPr>
+            <a:cxnSpLocks/>
+          </p:cNvCxnSpPr>
+          <p:nvPr/>
+        </p:nvCxnSpPr>
+        <p:spPr>
+          <a:xfrm>
+            <a:off x="3886200" y="2314115"/>
+            <a:ext cx="436880" cy="0"/>
+          </a:xfrm>
+          <a:prstGeom prst="straightConnector1">
+            <a:avLst/>
+          </a:prstGeom>
+          <a:ln w="19050">
+            <a:solidFill>
+              <a:srgbClr val="FF0000"/>
+            </a:solidFill>
+            <a:headEnd type="arrow" w="med" len="med"/>
+            <a:tailEnd type="none" w="med" len="med"/>
+          </a:ln>
+        </p:spPr>
+        <p:style>
+          <a:lnRef idx="1">
+            <a:schemeClr val="accent1"/>
+          </a:lnRef>
+          <a:fillRef idx="0">
+            <a:schemeClr val="accent1"/>
+          </a:fillRef>
+          <a:effectRef idx="0">
+            <a:schemeClr val="accent1"/>
+          </a:effectRef>
+          <a:fontRef idx="minor">
+            <a:schemeClr val="tx1"/>
+          </a:fontRef>
+        </p:style>
+      </p:cxnSp>
+      <p:cxnSp>
+        <p:nvCxnSpPr>
+          <p:cNvPr id="14" name="Straight Arrow Connector 13">
+            <a:extLst>
+              <a:ext uri="{FF2B5EF4-FFF2-40B4-BE49-F238E27FC236}">
+                <a16:creationId xmlns:a16="http://schemas.microsoft.com/office/drawing/2014/main" id="{659593FF-4349-E04A-B440-F58CF5EFC88F}"/>
+              </a:ext>
+            </a:extLst>
+          </p:cNvPr>
+          <p:cNvCxnSpPr>
+            <a:cxnSpLocks/>
+          </p:cNvCxnSpPr>
+          <p:nvPr/>
+        </p:nvCxnSpPr>
+        <p:spPr>
+          <a:xfrm>
+            <a:off x="3928872" y="3493008"/>
+            <a:ext cx="436880" cy="0"/>
+          </a:xfrm>
+          <a:prstGeom prst="straightConnector1">
+            <a:avLst/>
+          </a:prstGeom>
+          <a:ln w="19050">
+            <a:solidFill>
+              <a:schemeClr val="tx1"/>
+            </a:solidFill>
+            <a:headEnd type="arrow" w="med" len="med"/>
+            <a:tailEnd type="arrow" w="med" len="med"/>
+          </a:ln>
+        </p:spPr>
+        <p:style>
+          <a:lnRef idx="1">
+            <a:schemeClr val="accent1"/>
+          </a:lnRef>
+          <a:fillRef idx="0">
+            <a:schemeClr val="accent1"/>
+          </a:fillRef>
+          <a:effectRef idx="0">
+            <a:schemeClr val="accent1"/>
+          </a:effectRef>
+          <a:fontRef idx="minor">
+            <a:schemeClr val="tx1"/>
+          </a:fontRef>
+        </p:style>
+      </p:cxnSp>
+      <p:pic>
+        <p:nvPicPr>
+          <p:cNvPr id="1034" name="Picture 10" descr="Office, database Free Icon of Super Flat Remix V1.08">
+            <a:extLst>
+              <a:ext uri="{FF2B5EF4-FFF2-40B4-BE49-F238E27FC236}">
+                <a16:creationId xmlns:a16="http://schemas.microsoft.com/office/drawing/2014/main" id="{0B4F0D16-6C81-7646-81D1-9E83C0442071}"/>
+              </a:ext>
+            </a:extLst>
+          </p:cNvPr>
+          <p:cNvPicPr>
+            <a:picLocks noChangeAspect="1" noChangeArrowheads="1"/>
+          </p:cNvPicPr>
+          <p:nvPr/>
+        </p:nvPicPr>
+        <p:blipFill>
+          <a:blip r:embed="rId2">
+            <a:extLst>
+              <a:ext uri="{28A0092B-C50C-407E-A947-70E740481C1C}">
+                <a14:useLocalDpi xmlns:a14="http://schemas.microsoft.com/office/drawing/2010/main" val="0"/>
+              </a:ext>
+            </a:extLst>
+          </a:blip>
+          <a:srcRect/>
+          <a:stretch>
+            <a:fillRect/>
+          </a:stretch>
+        </p:blipFill>
+        <p:spPr bwMode="auto">
+          <a:xfrm>
+            <a:off x="9293759" y="3445581"/>
+            <a:ext cx="572957" cy="572957"/>
+          </a:xfrm>
+          <a:prstGeom prst="rect">
+            <a:avLst/>
+          </a:prstGeom>
+          <a:noFill/>
+          <a:extLst>
+            <a:ext uri="{909E8E84-426E-40DD-AFC4-6F175D3DCCD1}">
+              <a14:hiddenFill xmlns:a14="http://schemas.microsoft.com/office/drawing/2010/main">
+                <a:solidFill>
+                  <a:srgbClr val="FFFFFF"/>
+                </a:solidFill>
+              </a14:hiddenFill>
+            </a:ext>
+          </a:extLst>
+        </p:spPr>
+      </p:pic>
+      <p:cxnSp>
+        <p:nvCxnSpPr>
+          <p:cNvPr id="20" name="Straight Arrow Connector 19">
+            <a:extLst>
+              <a:ext uri="{FF2B5EF4-FFF2-40B4-BE49-F238E27FC236}">
+                <a16:creationId xmlns:a16="http://schemas.microsoft.com/office/drawing/2014/main" id="{1F7A368B-48AC-4741-A916-31C854E6BB55}"/>
+              </a:ext>
+            </a:extLst>
+          </p:cNvPr>
+          <p:cNvCxnSpPr>
+            <a:cxnSpLocks/>
+          </p:cNvCxnSpPr>
+          <p:nvPr/>
+        </p:nvCxnSpPr>
+        <p:spPr>
+          <a:xfrm>
+            <a:off x="6026868" y="3493008"/>
+            <a:ext cx="2656840" cy="0"/>
+          </a:xfrm>
+          <a:prstGeom prst="straightConnector1">
+            <a:avLst/>
+          </a:prstGeom>
+          <a:ln w="19050">
+            <a:solidFill>
+              <a:srgbClr val="FF0000"/>
+            </a:solidFill>
+            <a:headEnd type="none" w="med" len="med"/>
+            <a:tailEnd type="triangle" w="med" len="med"/>
+          </a:ln>
+        </p:spPr>
+        <p:style>
+          <a:lnRef idx="1">
+            <a:schemeClr val="accent1"/>
+          </a:lnRef>
+          <a:fillRef idx="0">
+            <a:schemeClr val="accent1"/>
+          </a:fillRef>
+          <a:effectRef idx="0">
+            <a:schemeClr val="accent1"/>
+          </a:effectRef>
+          <a:fontRef idx="minor">
+            <a:schemeClr val="tx1"/>
+          </a:fontRef>
+        </p:style>
+      </p:cxnSp>
+      <p:sp>
+        <p:nvSpPr>
+          <p:cNvPr id="23" name="Rounded Rectangle 22">
+            <a:extLst>
+              <a:ext uri="{FF2B5EF4-FFF2-40B4-BE49-F238E27FC236}">
+                <a16:creationId xmlns:a16="http://schemas.microsoft.com/office/drawing/2014/main" id="{0D938F1B-055E-564B-8D5A-34611D9CE925}"/>
+              </a:ext>
+            </a:extLst>
+          </p:cNvPr>
+          <p:cNvSpPr/>
+          <p:nvPr/>
+        </p:nvSpPr>
+        <p:spPr>
+          <a:xfrm>
+            <a:off x="6675008" y="1389833"/>
+            <a:ext cx="1658109" cy="1057544"/>
+          </a:xfrm>
+          <a:prstGeom prst="roundRect">
+            <a:avLst/>
+          </a:prstGeom>
+          <a:solidFill>
+            <a:schemeClr val="accent5">
+              <a:lumMod val="20000"/>
+              <a:lumOff val="80000"/>
+            </a:schemeClr>
+          </a:solidFill>
+        </p:spPr>
+        <p:style>
+          <a:lnRef idx="2">
+            <a:schemeClr val="accent1">
+              <a:shade val="50000"/>
+            </a:schemeClr>
+          </a:lnRef>
+          <a:fillRef idx="1">
+            <a:schemeClr val="accent1"/>
+          </a:fillRef>
+          <a:effectRef idx="0">
+            <a:schemeClr val="accent1"/>
+          </a:effectRef>
+          <a:fontRef idx="minor">
+            <a:schemeClr val="lt1"/>
+          </a:fontRef>
+        </p:style>
+        <p:txBody>
+          <a:bodyPr rtlCol="0" anchor="ctr"/>
+          <a:lstStyle/>
+          <a:p>
+            <a:pPr algn="ctr"/>
+            <a:endParaRPr lang="en-US" sz="1100" dirty="0">
+              <a:solidFill>
+                <a:schemeClr val="tx1"/>
+              </a:solidFill>
+            </a:endParaRPr>
+          </a:p>
+        </p:txBody>
+      </p:sp>
+      <p:sp>
+        <p:nvSpPr>
+          <p:cNvPr id="24" name="Rounded Rectangle 23">
+            <a:extLst>
+              <a:ext uri="{FF2B5EF4-FFF2-40B4-BE49-F238E27FC236}">
+                <a16:creationId xmlns:a16="http://schemas.microsoft.com/office/drawing/2014/main" id="{B04EABBE-0FED-1A45-A17B-BFD4A7581CA6}"/>
+              </a:ext>
+            </a:extLst>
+          </p:cNvPr>
+          <p:cNvSpPr/>
+          <p:nvPr/>
+        </p:nvSpPr>
+        <p:spPr>
+          <a:xfrm>
+            <a:off x="6803025" y="1661862"/>
+            <a:ext cx="1387211" cy="185226"/>
+          </a:xfrm>
+          <a:prstGeom prst="roundRect">
+            <a:avLst/>
+          </a:prstGeom>
+          <a:solidFill>
+            <a:schemeClr val="bg1"/>
+          </a:solidFill>
+        </p:spPr>
+        <p:style>
+          <a:lnRef idx="2">
+            <a:schemeClr val="accent1">
+              <a:shade val="50000"/>
+            </a:schemeClr>
+          </a:lnRef>
+          <a:fillRef idx="1">
+            <a:schemeClr val="accent1"/>
+          </a:fillRef>
+          <a:effectRef idx="0">
+            <a:schemeClr val="accent1"/>
+          </a:effectRef>
+          <a:fontRef idx="minor">
+            <a:schemeClr val="lt1"/>
+          </a:fontRef>
+        </p:style>
+        <p:txBody>
+          <a:bodyPr rtlCol="0" anchor="ctr"/>
+          <a:lstStyle/>
+          <a:p>
+            <a:pPr algn="ctr"/>
+            <a:endParaRPr lang="en-US" sz="1100" dirty="0">
+              <a:solidFill>
+                <a:schemeClr val="tx1"/>
+              </a:solidFill>
+            </a:endParaRPr>
+          </a:p>
+        </p:txBody>
+      </p:sp>
+      <p:sp>
+        <p:nvSpPr>
+          <p:cNvPr id="25" name="Rounded Rectangle 24">
+            <a:extLst>
+              <a:ext uri="{FF2B5EF4-FFF2-40B4-BE49-F238E27FC236}">
+                <a16:creationId xmlns:a16="http://schemas.microsoft.com/office/drawing/2014/main" id="{B32B0FD7-15FA-6645-98BE-A50E3A3F2293}"/>
+              </a:ext>
+            </a:extLst>
+          </p:cNvPr>
+          <p:cNvSpPr/>
+          <p:nvPr/>
+        </p:nvSpPr>
+        <p:spPr>
+          <a:xfrm>
+            <a:off x="6803025" y="1911447"/>
+            <a:ext cx="1387211" cy="185226"/>
+          </a:xfrm>
+          <a:prstGeom prst="roundRect">
+            <a:avLst/>
+          </a:prstGeom>
+          <a:solidFill>
+            <a:schemeClr val="bg1"/>
+          </a:solidFill>
+        </p:spPr>
+        <p:style>
+          <a:lnRef idx="2">
+            <a:schemeClr val="accent1">
+              <a:shade val="50000"/>
+            </a:schemeClr>
+          </a:lnRef>
+          <a:fillRef idx="1">
+            <a:schemeClr val="accent1"/>
+          </a:fillRef>
+          <a:effectRef idx="0">
+            <a:schemeClr val="accent1"/>
+          </a:effectRef>
+          <a:fontRef idx="minor">
+            <a:schemeClr val="lt1"/>
+          </a:fontRef>
+        </p:style>
+        <p:txBody>
+          <a:bodyPr rtlCol="0" anchor="ctr"/>
+          <a:lstStyle/>
+          <a:p>
+            <a:pPr algn="ctr"/>
+            <a:endParaRPr lang="en-US" sz="1100" dirty="0">
+              <a:solidFill>
+                <a:schemeClr val="tx1"/>
+              </a:solidFill>
+            </a:endParaRPr>
+          </a:p>
+        </p:txBody>
+      </p:sp>
+      <p:sp>
+        <p:nvSpPr>
+          <p:cNvPr id="26" name="Rounded Rectangle 25">
+            <a:extLst>
+              <a:ext uri="{FF2B5EF4-FFF2-40B4-BE49-F238E27FC236}">
+                <a16:creationId xmlns:a16="http://schemas.microsoft.com/office/drawing/2014/main" id="{95F58D2E-5267-DB49-A2F7-2EC778E522A2}"/>
+              </a:ext>
+            </a:extLst>
+          </p:cNvPr>
+          <p:cNvSpPr/>
+          <p:nvPr/>
+        </p:nvSpPr>
+        <p:spPr>
+          <a:xfrm>
+            <a:off x="6803025" y="2140564"/>
+            <a:ext cx="1387211" cy="185226"/>
+          </a:xfrm>
+          <a:prstGeom prst="roundRect">
+            <a:avLst/>
+          </a:prstGeom>
+          <a:solidFill>
+            <a:schemeClr val="bg1"/>
+          </a:solidFill>
+        </p:spPr>
+        <p:style>
+          <a:lnRef idx="2">
+            <a:schemeClr val="accent1">
+              <a:shade val="50000"/>
+            </a:schemeClr>
+          </a:lnRef>
+          <a:fillRef idx="1">
+            <a:schemeClr val="accent1"/>
+          </a:fillRef>
+          <a:effectRef idx="0">
+            <a:schemeClr val="accent1"/>
+          </a:effectRef>
+          <a:fontRef idx="minor">
+            <a:schemeClr val="lt1"/>
+          </a:fontRef>
+        </p:style>
+        <p:txBody>
+          <a:bodyPr rtlCol="0" anchor="ctr"/>
+          <a:lstStyle/>
+          <a:p>
+            <a:pPr algn="ctr"/>
+            <a:r>
+              <a:rPr lang="en-US" sz="1100" dirty="0">
+                <a:solidFill>
+                  <a:schemeClr val="tx1"/>
+                </a:solidFill>
+              </a:rPr>
+              <a:t>UUID</a:t>
+            </a:r>
+          </a:p>
+        </p:txBody>
+      </p:sp>
+      <p:sp>
+        <p:nvSpPr>
+          <p:cNvPr id="15" name="TextBox 14">
+            <a:extLst>
+              <a:ext uri="{FF2B5EF4-FFF2-40B4-BE49-F238E27FC236}">
+                <a16:creationId xmlns:a16="http://schemas.microsoft.com/office/drawing/2014/main" id="{034412DE-48D2-8145-87F2-FD6D2AE6E0B7}"/>
+              </a:ext>
+            </a:extLst>
+          </p:cNvPr>
+          <p:cNvSpPr txBox="1"/>
+          <p:nvPr/>
+        </p:nvSpPr>
+        <p:spPr>
+          <a:xfrm>
+            <a:off x="7241532" y="1386204"/>
+            <a:ext cx="923906" cy="253916"/>
+          </a:xfrm>
+          <a:prstGeom prst="rect">
+            <a:avLst/>
+          </a:prstGeom>
+          <a:noFill/>
+        </p:spPr>
+        <p:txBody>
+          <a:bodyPr wrap="square" rtlCol="0">
+            <a:spAutoFit/>
+          </a:bodyPr>
+          <a:lstStyle/>
+          <a:p>
+            <a:r>
+              <a:rPr lang="en-US" sz="1050" dirty="0"/>
+              <a:t>Queue</a:t>
+            </a:r>
+          </a:p>
+        </p:txBody>
+      </p:sp>
+      <p:cxnSp>
+        <p:nvCxnSpPr>
+          <p:cNvPr id="28" name="Straight Arrow Connector 27">
+            <a:extLst>
+              <a:ext uri="{FF2B5EF4-FFF2-40B4-BE49-F238E27FC236}">
+                <a16:creationId xmlns:a16="http://schemas.microsoft.com/office/drawing/2014/main" id="{DFFEB870-84E2-C043-BEA9-A8DFCC6FDD81}"/>
+              </a:ext>
+            </a:extLst>
+          </p:cNvPr>
+          <p:cNvCxnSpPr>
+            <a:cxnSpLocks/>
+          </p:cNvCxnSpPr>
+          <p:nvPr/>
+        </p:nvCxnSpPr>
+        <p:spPr>
+          <a:xfrm>
+            <a:off x="6026868" y="1928094"/>
+            <a:ext cx="445067" cy="0"/>
+          </a:xfrm>
+          <a:prstGeom prst="straightConnector1">
+            <a:avLst/>
+          </a:prstGeom>
+          <a:ln w="19050">
+            <a:solidFill>
+              <a:srgbClr val="FF0000"/>
+            </a:solidFill>
+            <a:headEnd type="none" w="med" len="med"/>
+            <a:tailEnd type="triangle" w="med" len="med"/>
+          </a:ln>
+        </p:spPr>
+        <p:style>
+          <a:lnRef idx="1">
+            <a:schemeClr val="accent1"/>
+          </a:lnRef>
+          <a:fillRef idx="0">
+            <a:schemeClr val="accent1"/>
+          </a:fillRef>
+          <a:effectRef idx="0">
+            <a:schemeClr val="accent1"/>
+          </a:effectRef>
+          <a:fontRef idx="minor">
+            <a:schemeClr val="tx1"/>
+          </a:fontRef>
+        </p:style>
+      </p:cxnSp>
+      <p:sp>
+        <p:nvSpPr>
+          <p:cNvPr id="30" name="Rounded Rectangle 29">
+            <a:extLst>
+              <a:ext uri="{FF2B5EF4-FFF2-40B4-BE49-F238E27FC236}">
+                <a16:creationId xmlns:a16="http://schemas.microsoft.com/office/drawing/2014/main" id="{F4A04F84-E7FF-094B-A06D-F8562AA8F989}"/>
+              </a:ext>
+            </a:extLst>
+          </p:cNvPr>
+          <p:cNvSpPr/>
+          <p:nvPr/>
+        </p:nvSpPr>
+        <p:spPr>
+          <a:xfrm>
+            <a:off x="9024166" y="1376057"/>
+            <a:ext cx="1112144" cy="1070779"/>
+          </a:xfrm>
+          <a:prstGeom prst="roundRect">
+            <a:avLst/>
+          </a:prstGeom>
+          <a:solidFill>
+            <a:schemeClr val="accent5">
+              <a:lumMod val="20000"/>
+              <a:lumOff val="80000"/>
+            </a:schemeClr>
+          </a:solidFill>
+        </p:spPr>
+        <p:style>
+          <a:lnRef idx="2">
+            <a:schemeClr val="accent1">
+              <a:shade val="50000"/>
+            </a:schemeClr>
+          </a:lnRef>
+          <a:fillRef idx="1">
+            <a:schemeClr val="accent1"/>
+          </a:fillRef>
+          <a:effectRef idx="0">
+            <a:schemeClr val="accent1"/>
+          </a:effectRef>
+          <a:fontRef idx="minor">
+            <a:schemeClr val="lt1"/>
+          </a:fontRef>
+        </p:style>
+        <p:txBody>
+          <a:bodyPr rtlCol="0" anchor="ctr"/>
+          <a:lstStyle/>
+          <a:p>
+            <a:pPr algn="ctr"/>
+            <a:r>
+              <a:rPr lang="en-US" sz="1100" dirty="0">
+                <a:solidFill>
+                  <a:schemeClr val="tx1"/>
+                </a:solidFill>
+              </a:rPr>
+              <a:t>Prediction Engine</a:t>
+            </a:r>
+          </a:p>
+        </p:txBody>
+      </p:sp>
+      <p:sp>
+        <p:nvSpPr>
+          <p:cNvPr id="18" name="TextBox 17">
+            <a:extLst>
+              <a:ext uri="{FF2B5EF4-FFF2-40B4-BE49-F238E27FC236}">
+                <a16:creationId xmlns:a16="http://schemas.microsoft.com/office/drawing/2014/main" id="{A1789511-9425-4045-94EA-9EF35DA9072B}"/>
+              </a:ext>
+            </a:extLst>
+          </p:cNvPr>
+          <p:cNvSpPr txBox="1"/>
+          <p:nvPr/>
+        </p:nvSpPr>
+        <p:spPr>
+          <a:xfrm>
+            <a:off x="6871152" y="3185231"/>
+            <a:ext cx="784189" cy="307777"/>
+          </a:xfrm>
+          <a:prstGeom prst="rect">
+            <a:avLst/>
+          </a:prstGeom>
+          <a:noFill/>
+        </p:spPr>
+        <p:txBody>
+          <a:bodyPr wrap="none" rtlCol="0">
+            <a:spAutoFit/>
+          </a:bodyPr>
+          <a:lstStyle/>
+          <a:p>
+            <a:r>
+              <a:rPr lang="en-US" sz="1400" i="1" dirty="0" err="1"/>
+              <a:t>img</a:t>
+            </a:r>
+            <a:r>
+              <a:rPr lang="en-US" sz="1400" i="1" dirty="0"/>
+              <a:t> raw</a:t>
+            </a:r>
+          </a:p>
+        </p:txBody>
+      </p:sp>
+      <p:sp>
+        <p:nvSpPr>
+          <p:cNvPr id="19" name="Rectangle 18">
+            <a:extLst>
+              <a:ext uri="{FF2B5EF4-FFF2-40B4-BE49-F238E27FC236}">
+                <a16:creationId xmlns:a16="http://schemas.microsoft.com/office/drawing/2014/main" id="{C8CA74E0-4D72-D246-A429-1835F8D7307F}"/>
+              </a:ext>
+            </a:extLst>
+          </p:cNvPr>
+          <p:cNvSpPr/>
+          <p:nvPr/>
+        </p:nvSpPr>
+        <p:spPr>
+          <a:xfrm>
+            <a:off x="5980040" y="1476206"/>
+            <a:ext cx="505267" cy="307777"/>
+          </a:xfrm>
+          <a:prstGeom prst="rect">
+            <a:avLst/>
+          </a:prstGeom>
+          <a:noFill/>
+        </p:spPr>
+        <p:txBody>
+          <a:bodyPr wrap="none" rtlCol="0">
+            <a:spAutoFit/>
+          </a:bodyPr>
+          <a:lstStyle/>
+          <a:p>
+            <a:r>
+              <a:rPr lang="en-US" sz="1400" i="1" dirty="0" err="1"/>
+              <a:t>uuid</a:t>
+            </a:r>
+            <a:endParaRPr lang="en-US" sz="1400" i="1" dirty="0"/>
+          </a:p>
+        </p:txBody>
+      </p:sp>
+      <p:cxnSp>
+        <p:nvCxnSpPr>
+          <p:cNvPr id="35" name="Straight Arrow Connector 34">
+            <a:extLst>
+              <a:ext uri="{FF2B5EF4-FFF2-40B4-BE49-F238E27FC236}">
+                <a16:creationId xmlns:a16="http://schemas.microsoft.com/office/drawing/2014/main" id="{BC12745A-D232-514E-A694-2863150D5F9F}"/>
+              </a:ext>
+            </a:extLst>
+          </p:cNvPr>
+          <p:cNvCxnSpPr>
+            <a:cxnSpLocks/>
+          </p:cNvCxnSpPr>
+          <p:nvPr/>
+        </p:nvCxnSpPr>
+        <p:spPr>
+          <a:xfrm>
+            <a:off x="6018913" y="3732059"/>
+            <a:ext cx="2656840" cy="0"/>
+          </a:xfrm>
+          <a:prstGeom prst="straightConnector1">
+            <a:avLst/>
+          </a:prstGeom>
+          <a:ln w="19050">
+            <a:solidFill>
+              <a:schemeClr val="tx1"/>
+            </a:solidFill>
+            <a:headEnd type="arrow" w="med" len="med"/>
+            <a:tailEnd type="none" w="med" len="med"/>
+          </a:ln>
+        </p:spPr>
+        <p:style>
+          <a:lnRef idx="1">
+            <a:schemeClr val="accent1"/>
+          </a:lnRef>
+          <a:fillRef idx="0">
+            <a:schemeClr val="accent1"/>
+          </a:fillRef>
+          <a:effectRef idx="0">
+            <a:schemeClr val="accent1"/>
+          </a:effectRef>
+          <a:fontRef idx="minor">
+            <a:schemeClr val="tx1"/>
+          </a:fontRef>
+        </p:style>
+      </p:cxnSp>
+      <p:sp>
+        <p:nvSpPr>
+          <p:cNvPr id="36" name="TextBox 35">
+            <a:extLst>
+              <a:ext uri="{FF2B5EF4-FFF2-40B4-BE49-F238E27FC236}">
+                <a16:creationId xmlns:a16="http://schemas.microsoft.com/office/drawing/2014/main" id="{B2DAB098-DB9F-B144-80F1-83703C9472ED}"/>
+              </a:ext>
+            </a:extLst>
+          </p:cNvPr>
+          <p:cNvSpPr txBox="1"/>
+          <p:nvPr/>
+        </p:nvSpPr>
+        <p:spPr>
+          <a:xfrm>
+            <a:off x="6803025" y="3712872"/>
+            <a:ext cx="920445" cy="307777"/>
+          </a:xfrm>
+          <a:prstGeom prst="rect">
+            <a:avLst/>
+          </a:prstGeom>
+          <a:noFill/>
+        </p:spPr>
+        <p:txBody>
+          <a:bodyPr wrap="none" rtlCol="0">
+            <a:spAutoFit/>
+          </a:bodyPr>
+          <a:lstStyle/>
+          <a:p>
+            <a:r>
+              <a:rPr lang="en-US" sz="1400" i="1" dirty="0"/>
+              <a:t>prediction</a:t>
+            </a:r>
+          </a:p>
+        </p:txBody>
+      </p:sp>
+      <p:cxnSp>
+        <p:nvCxnSpPr>
+          <p:cNvPr id="39" name="Straight Arrow Connector 38">
+            <a:extLst>
+              <a:ext uri="{FF2B5EF4-FFF2-40B4-BE49-F238E27FC236}">
+                <a16:creationId xmlns:a16="http://schemas.microsoft.com/office/drawing/2014/main" id="{106BDE16-7ED9-6640-A1C8-CE6884CE6A54}"/>
+              </a:ext>
+            </a:extLst>
+          </p:cNvPr>
+          <p:cNvCxnSpPr>
+            <a:cxnSpLocks/>
+          </p:cNvCxnSpPr>
+          <p:nvPr/>
+        </p:nvCxnSpPr>
+        <p:spPr>
+          <a:xfrm>
+            <a:off x="8453219" y="1928094"/>
+            <a:ext cx="445067" cy="0"/>
+          </a:xfrm>
+          <a:prstGeom prst="straightConnector1">
+            <a:avLst/>
+          </a:prstGeom>
+          <a:ln w="19050">
+            <a:solidFill>
+              <a:srgbClr val="FF0000"/>
+            </a:solidFill>
+            <a:headEnd type="none" w="med" len="med"/>
+            <a:tailEnd type="triangle" w="med" len="med"/>
+          </a:ln>
+        </p:spPr>
+        <p:style>
+          <a:lnRef idx="1">
+            <a:schemeClr val="accent1"/>
+          </a:lnRef>
+          <a:fillRef idx="0">
+            <a:schemeClr val="accent1"/>
+          </a:fillRef>
+          <a:effectRef idx="0">
+            <a:schemeClr val="accent1"/>
+          </a:effectRef>
+          <a:fontRef idx="minor">
+            <a:schemeClr val="tx1"/>
+          </a:fontRef>
+        </p:style>
+      </p:cxnSp>
+      <p:cxnSp>
+        <p:nvCxnSpPr>
+          <p:cNvPr id="40" name="Straight Arrow Connector 39">
+            <a:extLst>
+              <a:ext uri="{FF2B5EF4-FFF2-40B4-BE49-F238E27FC236}">
+                <a16:creationId xmlns:a16="http://schemas.microsoft.com/office/drawing/2014/main" id="{8DD2B989-EC23-9E4E-823F-DA4F579307AB}"/>
+              </a:ext>
+            </a:extLst>
+          </p:cNvPr>
+          <p:cNvCxnSpPr>
+            <a:cxnSpLocks/>
+          </p:cNvCxnSpPr>
+          <p:nvPr/>
+        </p:nvCxnSpPr>
+        <p:spPr>
+          <a:xfrm flipV="1">
+            <a:off x="9745372" y="2568449"/>
+            <a:ext cx="0" cy="328470"/>
+          </a:xfrm>
+          <a:prstGeom prst="straightConnector1">
+            <a:avLst/>
+          </a:prstGeom>
+          <a:ln w="19050">
+            <a:solidFill>
+              <a:srgbClr val="FF0000"/>
+            </a:solidFill>
+            <a:headEnd type="arrow" w="med" len="med"/>
+            <a:tailEnd type="none" w="med" len="med"/>
+          </a:ln>
+        </p:spPr>
+        <p:style>
+          <a:lnRef idx="1">
+            <a:schemeClr val="accent1"/>
+          </a:lnRef>
+          <a:fillRef idx="0">
+            <a:schemeClr val="accent1"/>
+          </a:fillRef>
+          <a:effectRef idx="0">
+            <a:schemeClr val="accent1"/>
+          </a:effectRef>
+          <a:fontRef idx="minor">
+            <a:schemeClr val="tx1"/>
+          </a:fontRef>
+        </p:style>
+      </p:cxnSp>
+      <p:sp>
+        <p:nvSpPr>
+          <p:cNvPr id="31" name="TextBox 30">
+            <a:extLst>
+              <a:ext uri="{FF2B5EF4-FFF2-40B4-BE49-F238E27FC236}">
+                <a16:creationId xmlns:a16="http://schemas.microsoft.com/office/drawing/2014/main" id="{A9FD38E6-E8F8-4F4D-8B5E-76F1D699EC64}"/>
+              </a:ext>
+            </a:extLst>
+          </p:cNvPr>
+          <p:cNvSpPr txBox="1"/>
+          <p:nvPr/>
+        </p:nvSpPr>
+        <p:spPr>
+          <a:xfrm>
+            <a:off x="1275134" y="1264827"/>
+            <a:ext cx="2186945" cy="276999"/>
+          </a:xfrm>
+          <a:prstGeom prst="rect">
+            <a:avLst/>
+          </a:prstGeom>
+          <a:noFill/>
+        </p:spPr>
+        <p:txBody>
+          <a:bodyPr wrap="none" rtlCol="0">
+            <a:spAutoFit/>
+          </a:bodyPr>
+          <a:lstStyle/>
+          <a:p>
+            <a:r>
+              <a:rPr lang="en-US" sz="1200" dirty="0"/>
+              <a:t>localhost:5000/inference/image</a:t>
+            </a:r>
+          </a:p>
+        </p:txBody>
+      </p:sp>
+      <p:pic>
+        <p:nvPicPr>
+          <p:cNvPr id="1046" name="Picture 22" descr="PyTorch">
+            <a:extLst>
+              <a:ext uri="{FF2B5EF4-FFF2-40B4-BE49-F238E27FC236}">
+                <a16:creationId xmlns:a16="http://schemas.microsoft.com/office/drawing/2014/main" id="{61AE4E37-315C-BE49-9467-5FF065572371}"/>
+              </a:ext>
+            </a:extLst>
+          </p:cNvPr>
+          <p:cNvPicPr>
+            <a:picLocks noChangeAspect="1" noChangeArrowheads="1"/>
+          </p:cNvPicPr>
+          <p:nvPr/>
+        </p:nvPicPr>
+        <p:blipFill>
+          <a:blip r:embed="rId3">
+            <a:extLst>
+              <a:ext uri="{28A0092B-C50C-407E-A947-70E740481C1C}">
+                <a14:useLocalDpi xmlns:a14="http://schemas.microsoft.com/office/drawing/2010/main" val="0"/>
+              </a:ext>
+            </a:extLst>
+          </a:blip>
+          <a:srcRect/>
+          <a:stretch>
+            <a:fillRect/>
+          </a:stretch>
+        </p:blipFill>
+        <p:spPr bwMode="auto">
+          <a:xfrm>
+            <a:off x="9732959" y="1964915"/>
+            <a:ext cx="782574" cy="782574"/>
+          </a:xfrm>
+          <a:prstGeom prst="rect">
+            <a:avLst/>
+          </a:prstGeom>
+          <a:noFill/>
+          <a:extLst>
+            <a:ext uri="{909E8E84-426E-40DD-AFC4-6F175D3DCCD1}">
+              <a14:hiddenFill xmlns:a14="http://schemas.microsoft.com/office/drawing/2010/main">
+                <a:solidFill>
+                  <a:srgbClr val="FFFFFF"/>
+                </a:solidFill>
+              </a14:hiddenFill>
+            </a:ext>
+          </a:extLst>
+        </p:spPr>
+      </p:pic>
+      <p:pic>
+        <p:nvPicPr>
+          <p:cNvPr id="1048" name="Picture 24" descr="Messaging that just works — RabbitMQ">
+            <a:extLst>
+              <a:ext uri="{FF2B5EF4-FFF2-40B4-BE49-F238E27FC236}">
+                <a16:creationId xmlns:a16="http://schemas.microsoft.com/office/drawing/2014/main" id="{87D6375D-6EE8-1F4A-817B-18A8162731B1}"/>
+              </a:ext>
+            </a:extLst>
+          </p:cNvPr>
+          <p:cNvPicPr>
+            <a:picLocks noChangeAspect="1" noChangeArrowheads="1"/>
+          </p:cNvPicPr>
+          <p:nvPr/>
+        </p:nvPicPr>
+        <p:blipFill>
+          <a:blip r:embed="rId4">
+            <a:extLst>
+              <a:ext uri="{28A0092B-C50C-407E-A947-70E740481C1C}">
+                <a14:useLocalDpi xmlns:a14="http://schemas.microsoft.com/office/drawing/2010/main" val="0"/>
+              </a:ext>
+            </a:extLst>
+          </a:blip>
+          <a:srcRect/>
+          <a:stretch>
+            <a:fillRect/>
+          </a:stretch>
+        </p:blipFill>
+        <p:spPr bwMode="auto">
+          <a:xfrm>
+            <a:off x="6687787" y="993640"/>
+            <a:ext cx="1645330" cy="254462"/>
+          </a:xfrm>
+          <a:prstGeom prst="rect">
+            <a:avLst/>
+          </a:prstGeom>
+          <a:noFill/>
+          <a:extLst>
+            <a:ext uri="{909E8E84-426E-40DD-AFC4-6F175D3DCCD1}">
+              <a14:hiddenFill xmlns:a14="http://schemas.microsoft.com/office/drawing/2010/main">
+                <a:solidFill>
+                  <a:srgbClr val="FFFFFF"/>
+                </a:solidFill>
+              </a14:hiddenFill>
+            </a:ext>
+          </a:extLst>
+        </p:spPr>
+      </p:pic>
+      <p:cxnSp>
+        <p:nvCxnSpPr>
+          <p:cNvPr id="34" name="Straight Arrow Connector 33">
+            <a:extLst>
+              <a:ext uri="{FF2B5EF4-FFF2-40B4-BE49-F238E27FC236}">
+                <a16:creationId xmlns:a16="http://schemas.microsoft.com/office/drawing/2014/main" id="{7CF448E8-D691-AE4D-AB4E-750D65028CE1}"/>
+              </a:ext>
+            </a:extLst>
+          </p:cNvPr>
+          <p:cNvCxnSpPr>
+            <a:cxnSpLocks/>
+          </p:cNvCxnSpPr>
+          <p:nvPr/>
+        </p:nvCxnSpPr>
+        <p:spPr>
+          <a:xfrm>
+            <a:off x="3886200" y="1928094"/>
+            <a:ext cx="436880" cy="0"/>
+          </a:xfrm>
+          <a:prstGeom prst="straightConnector1">
+            <a:avLst/>
+          </a:prstGeom>
+          <a:ln w="19050">
+            <a:solidFill>
+              <a:srgbClr val="FF0000"/>
+            </a:solidFill>
+            <a:headEnd type="none" w="med" len="med"/>
+            <a:tailEnd type="triangle" w="med" len="med"/>
+          </a:ln>
+        </p:spPr>
+        <p:style>
+          <a:lnRef idx="1">
+            <a:schemeClr val="accent1"/>
+          </a:lnRef>
+          <a:fillRef idx="0">
+            <a:schemeClr val="accent1"/>
+          </a:fillRef>
+          <a:effectRef idx="0">
+            <a:schemeClr val="accent1"/>
+          </a:effectRef>
+          <a:fontRef idx="minor">
+            <a:schemeClr val="tx1"/>
+          </a:fontRef>
+        </p:style>
+      </p:cxnSp>
+      <p:sp>
+        <p:nvSpPr>
+          <p:cNvPr id="3" name="TextBox 2">
+            <a:extLst>
+              <a:ext uri="{FF2B5EF4-FFF2-40B4-BE49-F238E27FC236}">
+                <a16:creationId xmlns:a16="http://schemas.microsoft.com/office/drawing/2014/main" id="{12A56B9D-96F1-D34F-9FFE-536C33A77673}"/>
+              </a:ext>
+            </a:extLst>
+          </p:cNvPr>
+          <p:cNvSpPr txBox="1"/>
+          <p:nvPr/>
+        </p:nvSpPr>
+        <p:spPr>
+          <a:xfrm>
+            <a:off x="3508293" y="614566"/>
+            <a:ext cx="2521972" cy="830997"/>
+          </a:xfrm>
+          <a:prstGeom prst="rect">
+            <a:avLst/>
+          </a:prstGeom>
+          <a:noFill/>
+        </p:spPr>
+        <p:txBody>
+          <a:bodyPr wrap="none" rtlCol="0">
+            <a:spAutoFit/>
+          </a:bodyPr>
+          <a:lstStyle/>
+          <a:p>
+            <a:r>
+              <a:rPr lang="en-CA" sz="1200" dirty="0">
+                <a:solidFill>
+                  <a:srgbClr val="FF0000"/>
+                </a:solidFill>
+              </a:rPr>
+              <a:t>{</a:t>
+            </a:r>
+            <a:br>
+              <a:rPr lang="en-CA" sz="1200" dirty="0">
+                <a:solidFill>
+                  <a:srgbClr val="FF0000"/>
+                </a:solidFill>
+              </a:rPr>
+            </a:br>
+            <a:r>
+              <a:rPr lang="en-CA" sz="1200" dirty="0">
+                <a:solidFill>
+                  <a:srgbClr val="FF0000"/>
+                </a:solidFill>
+              </a:rPr>
+              <a:t>     "name": "name", </a:t>
+            </a:r>
+          </a:p>
+          <a:p>
+            <a:r>
+              <a:rPr lang="en-CA" sz="1200" dirty="0">
+                <a:solidFill>
+                  <a:srgbClr val="FF0000"/>
+                </a:solidFill>
+              </a:rPr>
+              <a:t>     "data": "&lt;base64encoded string&gt;" </a:t>
+            </a:r>
+          </a:p>
+          <a:p>
+            <a:r>
+              <a:rPr lang="en-CA" sz="1200" dirty="0">
+                <a:solidFill>
+                  <a:srgbClr val="FF0000"/>
+                </a:solidFill>
+              </a:rPr>
+              <a:t>}</a:t>
+            </a:r>
+            <a:endParaRPr lang="en-US" sz="1200" dirty="0">
+              <a:solidFill>
+                <a:srgbClr val="FF0000"/>
+              </a:solidFill>
+            </a:endParaRPr>
+          </a:p>
+        </p:txBody>
+      </p:sp>
+      <p:sp>
+        <p:nvSpPr>
+          <p:cNvPr id="4" name="TextBox 3">
+            <a:extLst>
+              <a:ext uri="{FF2B5EF4-FFF2-40B4-BE49-F238E27FC236}">
+                <a16:creationId xmlns:a16="http://schemas.microsoft.com/office/drawing/2014/main" id="{B6838234-2376-3743-AD19-395C99B6BB8A}"/>
+              </a:ext>
+            </a:extLst>
+          </p:cNvPr>
+          <p:cNvSpPr txBox="1"/>
+          <p:nvPr/>
+        </p:nvSpPr>
+        <p:spPr>
+          <a:xfrm>
+            <a:off x="3588420" y="1444587"/>
+            <a:ext cx="1539717" cy="338554"/>
+          </a:xfrm>
+          <a:prstGeom prst="rect">
+            <a:avLst/>
+          </a:prstGeom>
+          <a:noFill/>
+        </p:spPr>
+        <p:txBody>
+          <a:bodyPr wrap="none" rtlCol="0">
+            <a:spAutoFit/>
+          </a:bodyPr>
+          <a:lstStyle/>
+          <a:p>
+            <a:r>
+              <a:rPr lang="en-US" sz="1600" dirty="0">
+                <a:solidFill>
+                  <a:srgbClr val="FF0000"/>
+                </a:solidFill>
+              </a:rPr>
+              <a:t>(1) Post Request</a:t>
+            </a:r>
+          </a:p>
+        </p:txBody>
+      </p:sp>
+      <p:sp>
+        <p:nvSpPr>
+          <p:cNvPr id="38" name="TextBox 37">
+            <a:extLst>
+              <a:ext uri="{FF2B5EF4-FFF2-40B4-BE49-F238E27FC236}">
+                <a16:creationId xmlns:a16="http://schemas.microsoft.com/office/drawing/2014/main" id="{3CD9B21B-D42D-BC42-B7B7-3415449A65EB}"/>
+              </a:ext>
+            </a:extLst>
+          </p:cNvPr>
+          <p:cNvSpPr txBox="1"/>
+          <p:nvPr/>
+        </p:nvSpPr>
+        <p:spPr>
+          <a:xfrm>
+            <a:off x="4279800" y="2856290"/>
+            <a:ext cx="1605184" cy="523220"/>
+          </a:xfrm>
+          <a:prstGeom prst="rect">
+            <a:avLst/>
+          </a:prstGeom>
+          <a:noFill/>
+        </p:spPr>
+        <p:txBody>
+          <a:bodyPr wrap="none" rtlCol="0">
+            <a:spAutoFit/>
+          </a:bodyPr>
+          <a:lstStyle/>
+          <a:p>
+            <a:pPr algn="ctr"/>
+            <a:r>
+              <a:rPr lang="en-US" sz="1400" dirty="0">
+                <a:solidFill>
+                  <a:srgbClr val="FF0000"/>
+                </a:solidFill>
+              </a:rPr>
+              <a:t>(2) Generate </a:t>
+            </a:r>
+            <a:br>
+              <a:rPr lang="en-US" sz="1400" dirty="0">
+                <a:solidFill>
+                  <a:srgbClr val="FF0000"/>
+                </a:solidFill>
+              </a:rPr>
+            </a:br>
+            <a:r>
+              <a:rPr lang="en-US" sz="1400" dirty="0">
+                <a:solidFill>
+                  <a:srgbClr val="FF0000"/>
+                </a:solidFill>
+              </a:rPr>
+              <a:t>UUID for Prediction</a:t>
+            </a:r>
+          </a:p>
+        </p:txBody>
+      </p:sp>
+      <p:sp>
+        <p:nvSpPr>
+          <p:cNvPr id="42" name="TextBox 41">
+            <a:extLst>
+              <a:ext uri="{FF2B5EF4-FFF2-40B4-BE49-F238E27FC236}">
+                <a16:creationId xmlns:a16="http://schemas.microsoft.com/office/drawing/2014/main" id="{865D3760-A248-394C-B180-9ABA7339E0B0}"/>
+              </a:ext>
+            </a:extLst>
+          </p:cNvPr>
+          <p:cNvSpPr txBox="1"/>
+          <p:nvPr/>
+        </p:nvSpPr>
+        <p:spPr>
+          <a:xfrm>
+            <a:off x="5752749" y="2705845"/>
+            <a:ext cx="2100127" cy="523220"/>
+          </a:xfrm>
+          <a:prstGeom prst="rect">
+            <a:avLst/>
+          </a:prstGeom>
+          <a:noFill/>
+        </p:spPr>
+        <p:txBody>
+          <a:bodyPr wrap="none" rtlCol="0">
+            <a:spAutoFit/>
+          </a:bodyPr>
+          <a:lstStyle/>
+          <a:p>
+            <a:r>
+              <a:rPr lang="en-US" sz="1400" dirty="0">
+                <a:solidFill>
+                  <a:srgbClr val="FF0000"/>
+                </a:solidFill>
+              </a:rPr>
+              <a:t>(3b) Enqueue UUID to MQ</a:t>
+            </a:r>
+          </a:p>
+          <a:p>
+            <a:r>
+              <a:rPr lang="en-US" sz="1400" dirty="0">
+                <a:solidFill>
+                  <a:srgbClr val="FF0000"/>
+                </a:solidFill>
+              </a:rPr>
+              <a:t>(3c) Store Image in DB</a:t>
+            </a:r>
+          </a:p>
+        </p:txBody>
+      </p:sp>
+      <p:sp>
+        <p:nvSpPr>
+          <p:cNvPr id="43" name="TextBox 42">
+            <a:extLst>
+              <a:ext uri="{FF2B5EF4-FFF2-40B4-BE49-F238E27FC236}">
+                <a16:creationId xmlns:a16="http://schemas.microsoft.com/office/drawing/2014/main" id="{AAE7586D-F712-F447-8E62-6F30A6BA6BE2}"/>
+              </a:ext>
+            </a:extLst>
+          </p:cNvPr>
+          <p:cNvSpPr txBox="1"/>
+          <p:nvPr/>
+        </p:nvSpPr>
+        <p:spPr>
+          <a:xfrm>
+            <a:off x="1216199" y="2446079"/>
+            <a:ext cx="1665649" cy="830997"/>
+          </a:xfrm>
+          <a:prstGeom prst="rect">
+            <a:avLst/>
+          </a:prstGeom>
+          <a:noFill/>
+        </p:spPr>
+        <p:txBody>
+          <a:bodyPr wrap="none" rtlCol="0">
+            <a:spAutoFit/>
+          </a:bodyPr>
+          <a:lstStyle/>
+          <a:p>
+            <a:r>
+              <a:rPr lang="en-CA" sz="1200" dirty="0">
+                <a:solidFill>
+                  <a:srgbClr val="FF0000"/>
+                </a:solidFill>
+              </a:rPr>
+              <a:t>{</a:t>
+            </a:r>
+            <a:br>
+              <a:rPr lang="en-CA" sz="1200" dirty="0">
+                <a:solidFill>
+                  <a:srgbClr val="FF0000"/>
+                </a:solidFill>
+              </a:rPr>
+            </a:br>
+            <a:r>
+              <a:rPr lang="en-CA" sz="1200" dirty="0">
+                <a:solidFill>
+                  <a:srgbClr val="FF0000"/>
+                </a:solidFill>
+              </a:rPr>
+              <a:t>     ”</a:t>
+            </a:r>
+            <a:r>
+              <a:rPr lang="en-CA" sz="1200" dirty="0" err="1">
+                <a:solidFill>
+                  <a:srgbClr val="FF0000"/>
+                </a:solidFill>
+              </a:rPr>
+              <a:t>uuid</a:t>
+            </a:r>
+            <a:r>
+              <a:rPr lang="en-CA" sz="1200" dirty="0">
+                <a:solidFill>
+                  <a:srgbClr val="FF0000"/>
+                </a:solidFill>
+              </a:rPr>
+              <a:t>": ”1odna3n6” </a:t>
+            </a:r>
+          </a:p>
+          <a:p>
+            <a:r>
+              <a:rPr lang="en-CA" sz="1200" dirty="0">
+                <a:solidFill>
+                  <a:srgbClr val="FF0000"/>
+                </a:solidFill>
+              </a:rPr>
+              <a:t>}</a:t>
+            </a:r>
+            <a:endParaRPr lang="en-US" sz="1200" dirty="0">
+              <a:solidFill>
+                <a:srgbClr val="FF0000"/>
+              </a:solidFill>
+            </a:endParaRPr>
+          </a:p>
+          <a:p>
+            <a:endParaRPr lang="en-US" sz="1200" dirty="0">
+              <a:solidFill>
+                <a:srgbClr val="FF0000"/>
+              </a:solidFill>
+            </a:endParaRPr>
+          </a:p>
+        </p:txBody>
+      </p:sp>
+      <p:sp>
+        <p:nvSpPr>
+          <p:cNvPr id="6" name="TextBox 5">
+            <a:extLst>
+              <a:ext uri="{FF2B5EF4-FFF2-40B4-BE49-F238E27FC236}">
+                <a16:creationId xmlns:a16="http://schemas.microsoft.com/office/drawing/2014/main" id="{37A22F84-0694-144B-98A4-754D772CE2B2}"/>
+              </a:ext>
+            </a:extLst>
+          </p:cNvPr>
+          <p:cNvSpPr txBox="1"/>
+          <p:nvPr/>
+        </p:nvSpPr>
+        <p:spPr>
+          <a:xfrm>
+            <a:off x="5548817" y="2320439"/>
+            <a:ext cx="1693220" cy="369332"/>
+          </a:xfrm>
+          <a:prstGeom prst="rect">
+            <a:avLst/>
+          </a:prstGeom>
+          <a:noFill/>
+        </p:spPr>
+        <p:txBody>
+          <a:bodyPr wrap="none" rtlCol="0">
+            <a:spAutoFit/>
+          </a:bodyPr>
+          <a:lstStyle/>
+          <a:p>
+            <a:r>
+              <a:rPr lang="en-US" b="1" dirty="0">
+                <a:solidFill>
+                  <a:srgbClr val="FF0000"/>
+                </a:solidFill>
+              </a:rPr>
+              <a:t>Asynchronously</a:t>
+            </a:r>
+          </a:p>
+        </p:txBody>
+      </p:sp>
+      <p:sp>
+        <p:nvSpPr>
+          <p:cNvPr id="8" name="Rectangle 7">
+            <a:extLst>
+              <a:ext uri="{FF2B5EF4-FFF2-40B4-BE49-F238E27FC236}">
+                <a16:creationId xmlns:a16="http://schemas.microsoft.com/office/drawing/2014/main" id="{9F36DE15-E203-2E40-9D1A-8D47190664B1}"/>
+              </a:ext>
+            </a:extLst>
+          </p:cNvPr>
+          <p:cNvSpPr/>
+          <p:nvPr/>
+        </p:nvSpPr>
+        <p:spPr>
+          <a:xfrm>
+            <a:off x="8410385" y="1403326"/>
+            <a:ext cx="2645148" cy="338554"/>
+          </a:xfrm>
+          <a:prstGeom prst="rect">
+            <a:avLst/>
+          </a:prstGeom>
+        </p:spPr>
+        <p:txBody>
+          <a:bodyPr wrap="none">
+            <a:spAutoFit/>
+          </a:bodyPr>
+          <a:lstStyle/>
+          <a:p>
+            <a:r>
+              <a:rPr lang="en-US" sz="1600" dirty="0">
+                <a:solidFill>
+                  <a:srgbClr val="FF0000"/>
+                </a:solidFill>
+              </a:rPr>
+              <a:t>(4) Dequeue UUID  (call-back)</a:t>
+            </a:r>
+          </a:p>
+        </p:txBody>
+      </p:sp>
+      <p:sp>
+        <p:nvSpPr>
+          <p:cNvPr id="44" name="Rectangle 43">
+            <a:extLst>
+              <a:ext uri="{FF2B5EF4-FFF2-40B4-BE49-F238E27FC236}">
+                <a16:creationId xmlns:a16="http://schemas.microsoft.com/office/drawing/2014/main" id="{E814EEC3-C9B8-CF43-BAD7-C9ABB24002E0}"/>
+              </a:ext>
+            </a:extLst>
+          </p:cNvPr>
+          <p:cNvSpPr/>
+          <p:nvPr/>
+        </p:nvSpPr>
+        <p:spPr>
+          <a:xfrm>
+            <a:off x="8260540" y="2549732"/>
+            <a:ext cx="1169103" cy="584775"/>
+          </a:xfrm>
+          <a:prstGeom prst="rect">
+            <a:avLst/>
+          </a:prstGeom>
+        </p:spPr>
+        <p:txBody>
+          <a:bodyPr wrap="none">
+            <a:spAutoFit/>
+          </a:bodyPr>
+          <a:lstStyle/>
+          <a:p>
+            <a:pPr algn="ctr"/>
+            <a:r>
+              <a:rPr lang="en-US" sz="1600" dirty="0">
+                <a:solidFill>
+                  <a:srgbClr val="FF0000"/>
+                </a:solidFill>
+              </a:rPr>
+              <a:t>(5) Pull Raw</a:t>
+            </a:r>
+          </a:p>
+          <a:p>
+            <a:pPr algn="ctr"/>
+            <a:r>
+              <a:rPr lang="en-US" sz="1600" dirty="0">
+                <a:solidFill>
+                  <a:srgbClr val="FF0000"/>
+                </a:solidFill>
+              </a:rPr>
+              <a:t> Image</a:t>
+            </a:r>
+          </a:p>
+        </p:txBody>
+      </p:sp>
+      <p:sp>
+        <p:nvSpPr>
+          <p:cNvPr id="11" name="Rectangle 10">
+            <a:extLst>
+              <a:ext uri="{FF2B5EF4-FFF2-40B4-BE49-F238E27FC236}">
+                <a16:creationId xmlns:a16="http://schemas.microsoft.com/office/drawing/2014/main" id="{51B55BA5-6FAF-294F-9873-3F04E8720BEA}"/>
+              </a:ext>
+            </a:extLst>
+          </p:cNvPr>
+          <p:cNvSpPr/>
+          <p:nvPr/>
+        </p:nvSpPr>
+        <p:spPr>
+          <a:xfrm>
+            <a:off x="2850108" y="2501091"/>
+            <a:ext cx="1968552" cy="338554"/>
+          </a:xfrm>
+          <a:prstGeom prst="rect">
+            <a:avLst/>
+          </a:prstGeom>
+        </p:spPr>
+        <p:txBody>
+          <a:bodyPr wrap="none">
+            <a:spAutoFit/>
+          </a:bodyPr>
+          <a:lstStyle/>
+          <a:p>
+            <a:r>
+              <a:rPr lang="en-US" sz="1600" dirty="0">
+                <a:solidFill>
+                  <a:srgbClr val="FF0000"/>
+                </a:solidFill>
+              </a:rPr>
+              <a:t>(3a) Return Response</a:t>
+            </a:r>
+          </a:p>
+        </p:txBody>
+      </p:sp>
+      <p:cxnSp>
+        <p:nvCxnSpPr>
+          <p:cNvPr id="46" name="Straight Arrow Connector 45">
+            <a:extLst>
+              <a:ext uri="{FF2B5EF4-FFF2-40B4-BE49-F238E27FC236}">
+                <a16:creationId xmlns:a16="http://schemas.microsoft.com/office/drawing/2014/main" id="{C072DFA9-FB33-0548-B4BE-4847AE05BDF2}"/>
+              </a:ext>
+            </a:extLst>
+          </p:cNvPr>
+          <p:cNvCxnSpPr>
+            <a:cxnSpLocks/>
+          </p:cNvCxnSpPr>
+          <p:nvPr/>
+        </p:nvCxnSpPr>
+        <p:spPr>
+          <a:xfrm flipV="1">
+            <a:off x="9408059" y="2568449"/>
+            <a:ext cx="0" cy="328470"/>
+          </a:xfrm>
+          <a:prstGeom prst="straightConnector1">
+            <a:avLst/>
+          </a:prstGeom>
+          <a:ln w="19050">
+            <a:solidFill>
+              <a:srgbClr val="FF0000"/>
+            </a:solidFill>
+            <a:headEnd type="none" w="med" len="med"/>
+            <a:tailEnd type="triangle" w="med" len="med"/>
+          </a:ln>
+        </p:spPr>
+        <p:style>
+          <a:lnRef idx="1">
+            <a:schemeClr val="accent1"/>
+          </a:lnRef>
+          <a:fillRef idx="0">
+            <a:schemeClr val="accent1"/>
+          </a:fillRef>
+          <a:effectRef idx="0">
+            <a:schemeClr val="accent1"/>
+          </a:effectRef>
+          <a:fontRef idx="minor">
+            <a:schemeClr val="tx1"/>
+          </a:fontRef>
+        </p:style>
+      </p:cxnSp>
+      <p:sp>
+        <p:nvSpPr>
+          <p:cNvPr id="47" name="Rectangle 46">
+            <a:extLst>
+              <a:ext uri="{FF2B5EF4-FFF2-40B4-BE49-F238E27FC236}">
+                <a16:creationId xmlns:a16="http://schemas.microsoft.com/office/drawing/2014/main" id="{9155CFFB-6E87-2940-869C-5A2B659750CB}"/>
+              </a:ext>
+            </a:extLst>
+          </p:cNvPr>
+          <p:cNvSpPr/>
+          <p:nvPr/>
+        </p:nvSpPr>
+        <p:spPr>
+          <a:xfrm>
+            <a:off x="9653081" y="2747489"/>
+            <a:ext cx="1895712" cy="338554"/>
+          </a:xfrm>
+          <a:prstGeom prst="rect">
+            <a:avLst/>
+          </a:prstGeom>
+        </p:spPr>
+        <p:txBody>
+          <a:bodyPr wrap="none">
+            <a:spAutoFit/>
+          </a:bodyPr>
+          <a:lstStyle/>
+          <a:p>
+            <a:pPr algn="ctr"/>
+            <a:r>
+              <a:rPr lang="en-US" sz="1600" dirty="0">
+                <a:solidFill>
+                  <a:srgbClr val="FF0000"/>
+                </a:solidFill>
+              </a:rPr>
+              <a:t>(6) Predict and Store</a:t>
+            </a:r>
+          </a:p>
+        </p:txBody>
+      </p:sp>
+    </p:spTree>
+    <p:extLst>
+      <p:ext uri="{BB962C8B-B14F-4D97-AF65-F5344CB8AC3E}">
+        <p14:creationId xmlns:p14="http://schemas.microsoft.com/office/powerpoint/2010/main" val="295154800"/>
+      </p:ext>
+    </p:extLst>
+  </p:cSld>
+  <p:clrMapOvr>
+    <a:masterClrMapping/>
+  </p:clrMapOvr>
+</p:sld>
+</file>
+
+<file path=ppt/slides/slide3.xml><?xml version="1.0" encoding="utf-8"?>
+<p:sld xmlns:a="http://schemas.openxmlformats.org/drawingml/2006/main" xmlns:r="http://schemas.openxmlformats.org/officeDocument/2006/relationships" xmlns:p="http://schemas.openxmlformats.org/presentationml/2006/main">
+  <p:cSld>
+    <p:spTree>
+      <p:nvGrpSpPr>
+        <p:cNvPr id="1" name=""/>
+        <p:cNvGrpSpPr/>
+        <p:nvPr/>
+      </p:nvGrpSpPr>
+      <p:grpSpPr>
+        <a:xfrm>
+          <a:off x="0" y="0"/>
+          <a:ext cx="0" cy="0"/>
+          <a:chOff x="0" y="0"/>
+          <a:chExt cx="0" cy="0"/>
+        </a:xfrm>
+      </p:grpSpPr>
+      <p:sp>
+        <p:nvSpPr>
+          <p:cNvPr id="32" name="Rounded Rectangle 31">
+            <a:extLst>
+              <a:ext uri="{FF2B5EF4-FFF2-40B4-BE49-F238E27FC236}">
+                <a16:creationId xmlns:a16="http://schemas.microsoft.com/office/drawing/2014/main" id="{4895B7C1-4478-4B49-9751-A96AA7F82671}"/>
+              </a:ext>
+            </a:extLst>
+          </p:cNvPr>
+          <p:cNvSpPr/>
+          <p:nvPr/>
+        </p:nvSpPr>
+        <p:spPr>
+          <a:xfrm>
+            <a:off x="9024166" y="2968458"/>
+            <a:ext cx="1112144" cy="1070779"/>
+          </a:xfrm>
+          <a:prstGeom prst="roundRect">
+            <a:avLst/>
+          </a:prstGeom>
+          <a:solidFill>
+            <a:schemeClr val="bg1"/>
+          </a:solidFill>
+        </p:spPr>
+        <p:style>
+          <a:lnRef idx="2">
+            <a:schemeClr val="accent1">
+              <a:shade val="50000"/>
+            </a:schemeClr>
+          </a:lnRef>
+          <a:fillRef idx="1">
+            <a:schemeClr val="accent1"/>
+          </a:fillRef>
+          <a:effectRef idx="0">
+            <a:schemeClr val="accent1"/>
+          </a:effectRef>
+          <a:fontRef idx="minor">
+            <a:schemeClr val="lt1"/>
+          </a:fontRef>
+        </p:style>
+        <p:txBody>
+          <a:bodyPr rtlCol="0" anchor="ctr"/>
+          <a:lstStyle/>
+          <a:p>
+            <a:pPr algn="ctr"/>
+            <a:r>
+              <a:rPr lang="en-US" sz="1100" dirty="0">
+                <a:solidFill>
+                  <a:schemeClr val="tx1"/>
+                </a:solidFill>
+              </a:rPr>
+              <a:t>Predictions Database</a:t>
+            </a:r>
+            <a:br>
+              <a:rPr lang="en-US" sz="1100" dirty="0">
+                <a:solidFill>
+                  <a:schemeClr val="tx1"/>
+                </a:solidFill>
+              </a:rPr>
+            </a:br>
+            <a:br>
+              <a:rPr lang="en-US" sz="1100" dirty="0">
+                <a:solidFill>
+                  <a:schemeClr val="tx1"/>
+                </a:solidFill>
+              </a:rPr>
+            </a:br>
+            <a:br>
+              <a:rPr lang="en-US" sz="1100" dirty="0">
+                <a:solidFill>
+                  <a:schemeClr val="tx1"/>
+                </a:solidFill>
+              </a:rPr>
+            </a:br>
+            <a:endParaRPr lang="en-US" sz="1100" dirty="0">
+              <a:solidFill>
+                <a:schemeClr val="tx1"/>
+              </a:solidFill>
+            </a:endParaRPr>
+          </a:p>
+        </p:txBody>
+      </p:sp>
+      <p:sp>
+        <p:nvSpPr>
+          <p:cNvPr id="5" name="Rounded Rectangle 4">
+            <a:extLst>
+              <a:ext uri="{FF2B5EF4-FFF2-40B4-BE49-F238E27FC236}">
+                <a16:creationId xmlns:a16="http://schemas.microsoft.com/office/drawing/2014/main" id="{4117FAB6-E363-A844-9383-553831578974}"/>
+              </a:ext>
+            </a:extLst>
+          </p:cNvPr>
+          <p:cNvSpPr/>
+          <p:nvPr/>
+        </p:nvSpPr>
+        <p:spPr>
+          <a:xfrm>
+            <a:off x="4435800" y="1366524"/>
+            <a:ext cx="1377696" cy="2857494"/>
+          </a:xfrm>
+          <a:prstGeom prst="roundRect">
+            <a:avLst/>
+          </a:prstGeom>
+          <a:solidFill>
+            <a:schemeClr val="bg1">
+              <a:lumMod val="85000"/>
+            </a:schemeClr>
+          </a:solidFill>
+        </p:spPr>
+        <p:style>
+          <a:lnRef idx="2">
+            <a:schemeClr val="accent1">
+              <a:shade val="50000"/>
+            </a:schemeClr>
+          </a:lnRef>
+          <a:fillRef idx="1">
+            <a:schemeClr val="accent1"/>
+          </a:fillRef>
+          <a:effectRef idx="0">
+            <a:schemeClr val="accent1"/>
+          </a:effectRef>
+          <a:fontRef idx="minor">
+            <a:schemeClr val="lt1"/>
+          </a:fontRef>
+        </p:style>
+        <p:txBody>
+          <a:bodyPr rtlCol="0" anchor="ctr"/>
+          <a:lstStyle/>
+          <a:p>
+            <a:pPr algn="ctr"/>
+            <a:r>
+              <a:rPr lang="en-US" dirty="0">
+                <a:solidFill>
+                  <a:schemeClr val="tx1"/>
+                </a:solidFill>
+              </a:rPr>
+              <a:t>RESTful Server</a:t>
+            </a:r>
+            <a:br>
+              <a:rPr lang="en-US" dirty="0">
+                <a:solidFill>
+                  <a:schemeClr val="tx1"/>
+                </a:solidFill>
+              </a:rPr>
+            </a:br>
+            <a:br>
+              <a:rPr lang="en-US" dirty="0">
+                <a:solidFill>
+                  <a:schemeClr val="tx1"/>
+                </a:solidFill>
+              </a:rPr>
+            </a:br>
+            <a:endParaRPr lang="en-US" dirty="0">
+              <a:solidFill>
+                <a:schemeClr val="tx1"/>
+              </a:solidFill>
+            </a:endParaRPr>
+          </a:p>
+        </p:txBody>
+      </p:sp>
+      <p:sp>
+        <p:nvSpPr>
+          <p:cNvPr id="9" name="Rounded Rectangle 8">
+            <a:extLst>
+              <a:ext uri="{FF2B5EF4-FFF2-40B4-BE49-F238E27FC236}">
+                <a16:creationId xmlns:a16="http://schemas.microsoft.com/office/drawing/2014/main" id="{3C1E47CB-E31D-1244-B89B-C61E8A2A6A6D}"/>
+              </a:ext>
+            </a:extLst>
+          </p:cNvPr>
+          <p:cNvSpPr/>
+          <p:nvPr/>
+        </p:nvSpPr>
+        <p:spPr>
+          <a:xfrm>
+            <a:off x="2456688" y="1688241"/>
+            <a:ext cx="1377696" cy="816864"/>
+          </a:xfrm>
+          <a:prstGeom prst="roundRect">
+            <a:avLst/>
+          </a:prstGeom>
+          <a:solidFill>
+            <a:schemeClr val="bg1">
+              <a:lumMod val="85000"/>
+            </a:schemeClr>
+          </a:solidFill>
+        </p:spPr>
+        <p:style>
+          <a:lnRef idx="2">
+            <a:schemeClr val="accent1">
+              <a:shade val="50000"/>
+            </a:schemeClr>
+          </a:lnRef>
+          <a:fillRef idx="1">
+            <a:schemeClr val="accent1"/>
+          </a:fillRef>
+          <a:effectRef idx="0">
+            <a:schemeClr val="accent1"/>
+          </a:effectRef>
+          <a:fontRef idx="minor">
+            <a:schemeClr val="lt1"/>
+          </a:fontRef>
+        </p:style>
+        <p:txBody>
+          <a:bodyPr rtlCol="0" anchor="ctr"/>
+          <a:lstStyle/>
+          <a:p>
+            <a:pPr algn="ctr"/>
+            <a:r>
+              <a:rPr lang="en-US" dirty="0">
+                <a:solidFill>
+                  <a:schemeClr val="tx1"/>
+                </a:solidFill>
+              </a:rPr>
+              <a:t>POST</a:t>
+            </a:r>
+          </a:p>
+        </p:txBody>
+      </p:sp>
+      <p:sp>
+        <p:nvSpPr>
+          <p:cNvPr id="10" name="Rounded Rectangle 9">
+            <a:extLst>
+              <a:ext uri="{FF2B5EF4-FFF2-40B4-BE49-F238E27FC236}">
+                <a16:creationId xmlns:a16="http://schemas.microsoft.com/office/drawing/2014/main" id="{9A65A88C-EB7A-F143-8658-B9B915983E65}"/>
+              </a:ext>
+            </a:extLst>
+          </p:cNvPr>
+          <p:cNvSpPr/>
+          <p:nvPr/>
+        </p:nvSpPr>
+        <p:spPr>
+          <a:xfrm>
+            <a:off x="2456688" y="3084576"/>
+            <a:ext cx="1377696" cy="816864"/>
+          </a:xfrm>
+          <a:prstGeom prst="roundRect">
+            <a:avLst/>
+          </a:prstGeom>
+          <a:solidFill>
+            <a:schemeClr val="accent6"/>
+          </a:solidFill>
+        </p:spPr>
+        <p:style>
+          <a:lnRef idx="2">
+            <a:schemeClr val="accent1">
+              <a:shade val="50000"/>
+            </a:schemeClr>
+          </a:lnRef>
+          <a:fillRef idx="1">
+            <a:schemeClr val="accent1"/>
+          </a:fillRef>
+          <a:effectRef idx="0">
+            <a:schemeClr val="accent1"/>
+          </a:effectRef>
+          <a:fontRef idx="minor">
+            <a:schemeClr val="lt1"/>
+          </a:fontRef>
+        </p:style>
+        <p:txBody>
+          <a:bodyPr rtlCol="0" anchor="ctr"/>
+          <a:lstStyle/>
+          <a:p>
+            <a:pPr algn="ctr"/>
+            <a:r>
+              <a:rPr lang="en-US">
+                <a:solidFill>
+                  <a:schemeClr val="tx1"/>
+                </a:solidFill>
+              </a:rPr>
+              <a:t>GET</a:t>
+            </a:r>
+            <a:endParaRPr lang="en-US" dirty="0">
+              <a:solidFill>
+                <a:schemeClr val="tx1"/>
+              </a:solidFill>
+            </a:endParaRPr>
+          </a:p>
+        </p:txBody>
+      </p:sp>
+      <p:cxnSp>
+        <p:nvCxnSpPr>
+          <p:cNvPr id="7" name="Straight Arrow Connector 6">
+            <a:extLst>
+              <a:ext uri="{FF2B5EF4-FFF2-40B4-BE49-F238E27FC236}">
+                <a16:creationId xmlns:a16="http://schemas.microsoft.com/office/drawing/2014/main" id="{148CC5B3-D7CA-3749-B1DF-20D0F5EB52FE}"/>
+              </a:ext>
+            </a:extLst>
+          </p:cNvPr>
+          <p:cNvCxnSpPr>
+            <a:cxnSpLocks/>
+          </p:cNvCxnSpPr>
+          <p:nvPr/>
+        </p:nvCxnSpPr>
+        <p:spPr>
+          <a:xfrm>
+            <a:off x="3886200" y="2314115"/>
+            <a:ext cx="436880" cy="0"/>
+          </a:xfrm>
+          <a:prstGeom prst="straightConnector1">
+            <a:avLst/>
+          </a:prstGeom>
+          <a:ln w="19050">
+            <a:solidFill>
+              <a:schemeClr val="tx1"/>
+            </a:solidFill>
+            <a:headEnd type="arrow" w="med" len="med"/>
+            <a:tailEnd type="none" w="med" len="med"/>
+          </a:ln>
+        </p:spPr>
+        <p:style>
+          <a:lnRef idx="1">
+            <a:schemeClr val="accent1"/>
+          </a:lnRef>
+          <a:fillRef idx="0">
+            <a:schemeClr val="accent1"/>
+          </a:fillRef>
+          <a:effectRef idx="0">
+            <a:schemeClr val="accent1"/>
+          </a:effectRef>
+          <a:fontRef idx="minor">
+            <a:schemeClr val="tx1"/>
+          </a:fontRef>
+        </p:style>
+      </p:cxnSp>
+      <p:pic>
+        <p:nvPicPr>
+          <p:cNvPr id="1034" name="Picture 10" descr="Office, database Free Icon of Super Flat Remix V1.08">
+            <a:extLst>
+              <a:ext uri="{FF2B5EF4-FFF2-40B4-BE49-F238E27FC236}">
+                <a16:creationId xmlns:a16="http://schemas.microsoft.com/office/drawing/2014/main" id="{0B4F0D16-6C81-7646-81D1-9E83C0442071}"/>
+              </a:ext>
+            </a:extLst>
+          </p:cNvPr>
+          <p:cNvPicPr>
+            <a:picLocks noChangeAspect="1" noChangeArrowheads="1"/>
+          </p:cNvPicPr>
+          <p:nvPr/>
+        </p:nvPicPr>
+        <p:blipFill>
+          <a:blip r:embed="rId2">
+            <a:extLst>
+              <a:ext uri="{28A0092B-C50C-407E-A947-70E740481C1C}">
+                <a14:useLocalDpi xmlns:a14="http://schemas.microsoft.com/office/drawing/2010/main" val="0"/>
+              </a:ext>
+            </a:extLst>
+          </a:blip>
+          <a:srcRect/>
+          <a:stretch>
+            <a:fillRect/>
+          </a:stretch>
+        </p:blipFill>
+        <p:spPr bwMode="auto">
+          <a:xfrm>
+            <a:off x="9293759" y="3445581"/>
+            <a:ext cx="572957" cy="572957"/>
+          </a:xfrm>
+          <a:prstGeom prst="rect">
+            <a:avLst/>
+          </a:prstGeom>
+          <a:noFill/>
+          <a:extLst>
+            <a:ext uri="{909E8E84-426E-40DD-AFC4-6F175D3DCCD1}">
+              <a14:hiddenFill xmlns:a14="http://schemas.microsoft.com/office/drawing/2010/main">
+                <a:solidFill>
+                  <a:srgbClr val="FFFFFF"/>
+                </a:solidFill>
+              </a14:hiddenFill>
+            </a:ext>
+          </a:extLst>
+        </p:spPr>
+      </p:pic>
+      <p:cxnSp>
+        <p:nvCxnSpPr>
+          <p:cNvPr id="20" name="Straight Arrow Connector 19">
+            <a:extLst>
+              <a:ext uri="{FF2B5EF4-FFF2-40B4-BE49-F238E27FC236}">
+                <a16:creationId xmlns:a16="http://schemas.microsoft.com/office/drawing/2014/main" id="{1F7A368B-48AC-4741-A916-31C854E6BB55}"/>
+              </a:ext>
+            </a:extLst>
+          </p:cNvPr>
+          <p:cNvCxnSpPr>
+            <a:cxnSpLocks/>
+          </p:cNvCxnSpPr>
+          <p:nvPr/>
+        </p:nvCxnSpPr>
+        <p:spPr>
+          <a:xfrm>
+            <a:off x="6026868" y="3493008"/>
+            <a:ext cx="2656840" cy="0"/>
+          </a:xfrm>
+          <a:prstGeom prst="straightConnector1">
+            <a:avLst/>
+          </a:prstGeom>
+          <a:ln w="19050">
+            <a:solidFill>
+              <a:schemeClr val="tx1"/>
+            </a:solidFill>
+            <a:headEnd type="none" w="med" len="med"/>
+            <a:tailEnd type="triangle" w="med" len="med"/>
+          </a:ln>
+        </p:spPr>
+        <p:style>
+          <a:lnRef idx="1">
+            <a:schemeClr val="accent1"/>
+          </a:lnRef>
+          <a:fillRef idx="0">
+            <a:schemeClr val="accent1"/>
+          </a:fillRef>
+          <a:effectRef idx="0">
+            <a:schemeClr val="accent1"/>
+          </a:effectRef>
+          <a:fontRef idx="minor">
+            <a:schemeClr val="tx1"/>
+          </a:fontRef>
+        </p:style>
+      </p:cxnSp>
+      <p:sp>
+        <p:nvSpPr>
+          <p:cNvPr id="23" name="Rounded Rectangle 22">
+            <a:extLst>
+              <a:ext uri="{FF2B5EF4-FFF2-40B4-BE49-F238E27FC236}">
+                <a16:creationId xmlns:a16="http://schemas.microsoft.com/office/drawing/2014/main" id="{0D938F1B-055E-564B-8D5A-34611D9CE925}"/>
+              </a:ext>
+            </a:extLst>
+          </p:cNvPr>
+          <p:cNvSpPr/>
+          <p:nvPr/>
+        </p:nvSpPr>
+        <p:spPr>
+          <a:xfrm>
+            <a:off x="6675008" y="1389833"/>
+            <a:ext cx="1658109" cy="1057544"/>
+          </a:xfrm>
+          <a:prstGeom prst="roundRect">
+            <a:avLst/>
+          </a:prstGeom>
+          <a:solidFill>
+            <a:schemeClr val="accent5">
+              <a:lumMod val="20000"/>
+              <a:lumOff val="80000"/>
+            </a:schemeClr>
+          </a:solidFill>
+        </p:spPr>
+        <p:style>
+          <a:lnRef idx="2">
+            <a:schemeClr val="accent1">
+              <a:shade val="50000"/>
+            </a:schemeClr>
+          </a:lnRef>
+          <a:fillRef idx="1">
+            <a:schemeClr val="accent1"/>
+          </a:fillRef>
+          <a:effectRef idx="0">
+            <a:schemeClr val="accent1"/>
+          </a:effectRef>
+          <a:fontRef idx="minor">
+            <a:schemeClr val="lt1"/>
+          </a:fontRef>
+        </p:style>
+        <p:txBody>
+          <a:bodyPr rtlCol="0" anchor="ctr"/>
+          <a:lstStyle/>
+          <a:p>
+            <a:pPr algn="ctr"/>
+            <a:endParaRPr lang="en-US" sz="1100" dirty="0">
+              <a:solidFill>
+                <a:schemeClr val="tx1"/>
+              </a:solidFill>
+            </a:endParaRPr>
+          </a:p>
+        </p:txBody>
+      </p:sp>
+      <p:sp>
+        <p:nvSpPr>
+          <p:cNvPr id="24" name="Rounded Rectangle 23">
+            <a:extLst>
+              <a:ext uri="{FF2B5EF4-FFF2-40B4-BE49-F238E27FC236}">
+                <a16:creationId xmlns:a16="http://schemas.microsoft.com/office/drawing/2014/main" id="{B04EABBE-0FED-1A45-A17B-BFD4A7581CA6}"/>
+              </a:ext>
+            </a:extLst>
+          </p:cNvPr>
+          <p:cNvSpPr/>
+          <p:nvPr/>
+        </p:nvSpPr>
+        <p:spPr>
+          <a:xfrm>
+            <a:off x="6803025" y="1661862"/>
+            <a:ext cx="1387211" cy="185226"/>
+          </a:xfrm>
+          <a:prstGeom prst="roundRect">
+            <a:avLst/>
+          </a:prstGeom>
+          <a:solidFill>
+            <a:schemeClr val="bg1"/>
+          </a:solidFill>
+        </p:spPr>
+        <p:style>
+          <a:lnRef idx="2">
+            <a:schemeClr val="accent1">
+              <a:shade val="50000"/>
+            </a:schemeClr>
+          </a:lnRef>
+          <a:fillRef idx="1">
+            <a:schemeClr val="accent1"/>
+          </a:fillRef>
+          <a:effectRef idx="0">
+            <a:schemeClr val="accent1"/>
+          </a:effectRef>
+          <a:fontRef idx="minor">
+            <a:schemeClr val="lt1"/>
+          </a:fontRef>
+        </p:style>
+        <p:txBody>
+          <a:bodyPr rtlCol="0" anchor="ctr"/>
+          <a:lstStyle/>
+          <a:p>
+            <a:pPr algn="ctr"/>
+            <a:endParaRPr lang="en-US" sz="1100" dirty="0">
+              <a:solidFill>
+                <a:schemeClr val="tx1"/>
+              </a:solidFill>
+            </a:endParaRPr>
+          </a:p>
+        </p:txBody>
+      </p:sp>
+      <p:sp>
+        <p:nvSpPr>
+          <p:cNvPr id="25" name="Rounded Rectangle 24">
+            <a:extLst>
+              <a:ext uri="{FF2B5EF4-FFF2-40B4-BE49-F238E27FC236}">
+                <a16:creationId xmlns:a16="http://schemas.microsoft.com/office/drawing/2014/main" id="{B32B0FD7-15FA-6645-98BE-A50E3A3F2293}"/>
+              </a:ext>
+            </a:extLst>
+          </p:cNvPr>
+          <p:cNvSpPr/>
+          <p:nvPr/>
+        </p:nvSpPr>
+        <p:spPr>
+          <a:xfrm>
+            <a:off x="6803025" y="1911447"/>
+            <a:ext cx="1387211" cy="185226"/>
+          </a:xfrm>
+          <a:prstGeom prst="roundRect">
+            <a:avLst/>
+          </a:prstGeom>
+          <a:solidFill>
+            <a:schemeClr val="bg1"/>
+          </a:solidFill>
+        </p:spPr>
+        <p:style>
+          <a:lnRef idx="2">
+            <a:schemeClr val="accent1">
+              <a:shade val="50000"/>
+            </a:schemeClr>
+          </a:lnRef>
+          <a:fillRef idx="1">
+            <a:schemeClr val="accent1"/>
+          </a:fillRef>
+          <a:effectRef idx="0">
+            <a:schemeClr val="accent1"/>
+          </a:effectRef>
+          <a:fontRef idx="minor">
+            <a:schemeClr val="lt1"/>
+          </a:fontRef>
+        </p:style>
+        <p:txBody>
+          <a:bodyPr rtlCol="0" anchor="ctr"/>
+          <a:lstStyle/>
+          <a:p>
+            <a:pPr algn="ctr"/>
+            <a:endParaRPr lang="en-US" sz="1100" dirty="0">
+              <a:solidFill>
+                <a:schemeClr val="tx1"/>
+              </a:solidFill>
+            </a:endParaRPr>
+          </a:p>
+        </p:txBody>
+      </p:sp>
+      <p:sp>
+        <p:nvSpPr>
+          <p:cNvPr id="26" name="Rounded Rectangle 25">
+            <a:extLst>
+              <a:ext uri="{FF2B5EF4-FFF2-40B4-BE49-F238E27FC236}">
+                <a16:creationId xmlns:a16="http://schemas.microsoft.com/office/drawing/2014/main" id="{95F58D2E-5267-DB49-A2F7-2EC778E522A2}"/>
+              </a:ext>
+            </a:extLst>
+          </p:cNvPr>
+          <p:cNvSpPr/>
+          <p:nvPr/>
+        </p:nvSpPr>
+        <p:spPr>
+          <a:xfrm>
+            <a:off x="6803025" y="2140564"/>
+            <a:ext cx="1387211" cy="185226"/>
+          </a:xfrm>
+          <a:prstGeom prst="roundRect">
+            <a:avLst/>
+          </a:prstGeom>
+          <a:solidFill>
+            <a:schemeClr val="bg1"/>
+          </a:solidFill>
+        </p:spPr>
+        <p:style>
+          <a:lnRef idx="2">
+            <a:schemeClr val="accent1">
+              <a:shade val="50000"/>
+            </a:schemeClr>
+          </a:lnRef>
+          <a:fillRef idx="1">
+            <a:schemeClr val="accent1"/>
+          </a:fillRef>
+          <a:effectRef idx="0">
+            <a:schemeClr val="accent1"/>
+          </a:effectRef>
+          <a:fontRef idx="minor">
+            <a:schemeClr val="lt1"/>
+          </a:fontRef>
+        </p:style>
+        <p:txBody>
+          <a:bodyPr rtlCol="0" anchor="ctr"/>
+          <a:lstStyle/>
+          <a:p>
+            <a:pPr algn="ctr"/>
+            <a:r>
+              <a:rPr lang="en-US" sz="1100" dirty="0">
+                <a:solidFill>
+                  <a:schemeClr val="tx1"/>
+                </a:solidFill>
+              </a:rPr>
+              <a:t>UUID</a:t>
+            </a:r>
+          </a:p>
+        </p:txBody>
+      </p:sp>
+      <p:sp>
+        <p:nvSpPr>
+          <p:cNvPr id="15" name="TextBox 14">
+            <a:extLst>
+              <a:ext uri="{FF2B5EF4-FFF2-40B4-BE49-F238E27FC236}">
+                <a16:creationId xmlns:a16="http://schemas.microsoft.com/office/drawing/2014/main" id="{034412DE-48D2-8145-87F2-FD6D2AE6E0B7}"/>
+              </a:ext>
+            </a:extLst>
+          </p:cNvPr>
+          <p:cNvSpPr txBox="1"/>
+          <p:nvPr/>
+        </p:nvSpPr>
+        <p:spPr>
+          <a:xfrm>
+            <a:off x="7241532" y="1386204"/>
+            <a:ext cx="923906" cy="253916"/>
+          </a:xfrm>
+          <a:prstGeom prst="rect">
+            <a:avLst/>
+          </a:prstGeom>
+          <a:noFill/>
+        </p:spPr>
+        <p:txBody>
+          <a:bodyPr wrap="square" rtlCol="0">
+            <a:spAutoFit/>
+          </a:bodyPr>
+          <a:lstStyle/>
+          <a:p>
+            <a:r>
+              <a:rPr lang="en-US" sz="1050" dirty="0"/>
+              <a:t>Queue</a:t>
+            </a:r>
+          </a:p>
+        </p:txBody>
+      </p:sp>
+      <p:cxnSp>
+        <p:nvCxnSpPr>
+          <p:cNvPr id="28" name="Straight Arrow Connector 27">
+            <a:extLst>
+              <a:ext uri="{FF2B5EF4-FFF2-40B4-BE49-F238E27FC236}">
+                <a16:creationId xmlns:a16="http://schemas.microsoft.com/office/drawing/2014/main" id="{DFFEB870-84E2-C043-BEA9-A8DFCC6FDD81}"/>
+              </a:ext>
+            </a:extLst>
+          </p:cNvPr>
+          <p:cNvCxnSpPr>
+            <a:cxnSpLocks/>
+          </p:cNvCxnSpPr>
+          <p:nvPr/>
+        </p:nvCxnSpPr>
+        <p:spPr>
+          <a:xfrm>
+            <a:off x="6026868" y="1928094"/>
+            <a:ext cx="445067" cy="0"/>
+          </a:xfrm>
+          <a:prstGeom prst="straightConnector1">
+            <a:avLst/>
+          </a:prstGeom>
+          <a:ln w="19050">
+            <a:solidFill>
+              <a:schemeClr val="tx1"/>
+            </a:solidFill>
+            <a:headEnd type="none" w="med" len="med"/>
+            <a:tailEnd type="triangle" w="med" len="med"/>
+          </a:ln>
+        </p:spPr>
+        <p:style>
+          <a:lnRef idx="1">
+            <a:schemeClr val="accent1"/>
+          </a:lnRef>
+          <a:fillRef idx="0">
+            <a:schemeClr val="accent1"/>
+          </a:fillRef>
+          <a:effectRef idx="0">
+            <a:schemeClr val="accent1"/>
+          </a:effectRef>
+          <a:fontRef idx="minor">
+            <a:schemeClr val="tx1"/>
+          </a:fontRef>
+        </p:style>
+      </p:cxnSp>
+      <p:sp>
+        <p:nvSpPr>
+          <p:cNvPr id="30" name="Rounded Rectangle 29">
+            <a:extLst>
+              <a:ext uri="{FF2B5EF4-FFF2-40B4-BE49-F238E27FC236}">
+                <a16:creationId xmlns:a16="http://schemas.microsoft.com/office/drawing/2014/main" id="{F4A04F84-E7FF-094B-A06D-F8562AA8F989}"/>
+              </a:ext>
+            </a:extLst>
+          </p:cNvPr>
+          <p:cNvSpPr/>
+          <p:nvPr/>
+        </p:nvSpPr>
+        <p:spPr>
+          <a:xfrm>
+            <a:off x="9024166" y="1376057"/>
+            <a:ext cx="1112144" cy="1070779"/>
+          </a:xfrm>
+          <a:prstGeom prst="roundRect">
+            <a:avLst/>
+          </a:prstGeom>
+          <a:solidFill>
+            <a:schemeClr val="accent5">
+              <a:lumMod val="20000"/>
+              <a:lumOff val="80000"/>
+            </a:schemeClr>
+          </a:solidFill>
+        </p:spPr>
+        <p:style>
+          <a:lnRef idx="2">
+            <a:schemeClr val="accent1">
+              <a:shade val="50000"/>
+            </a:schemeClr>
+          </a:lnRef>
+          <a:fillRef idx="1">
+            <a:schemeClr val="accent1"/>
+          </a:fillRef>
+          <a:effectRef idx="0">
+            <a:schemeClr val="accent1"/>
+          </a:effectRef>
+          <a:fontRef idx="minor">
+            <a:schemeClr val="lt1"/>
+          </a:fontRef>
+        </p:style>
+        <p:txBody>
+          <a:bodyPr rtlCol="0" anchor="ctr"/>
+          <a:lstStyle/>
+          <a:p>
+            <a:pPr algn="ctr"/>
+            <a:r>
+              <a:rPr lang="en-US" sz="1100" dirty="0">
+                <a:solidFill>
+                  <a:schemeClr val="tx1"/>
+                </a:solidFill>
+              </a:rPr>
+              <a:t>Prediction Engine</a:t>
+            </a:r>
+          </a:p>
+        </p:txBody>
+      </p:sp>
+      <p:sp>
+        <p:nvSpPr>
+          <p:cNvPr id="18" name="TextBox 17">
+            <a:extLst>
+              <a:ext uri="{FF2B5EF4-FFF2-40B4-BE49-F238E27FC236}">
+                <a16:creationId xmlns:a16="http://schemas.microsoft.com/office/drawing/2014/main" id="{A1789511-9425-4045-94EA-9EF35DA9072B}"/>
+              </a:ext>
+            </a:extLst>
+          </p:cNvPr>
+          <p:cNvSpPr txBox="1"/>
+          <p:nvPr/>
+        </p:nvSpPr>
+        <p:spPr>
+          <a:xfrm>
+            <a:off x="6871152" y="3185231"/>
+            <a:ext cx="784189" cy="307777"/>
+          </a:xfrm>
+          <a:prstGeom prst="rect">
+            <a:avLst/>
+          </a:prstGeom>
+          <a:noFill/>
+        </p:spPr>
+        <p:txBody>
+          <a:bodyPr wrap="none" rtlCol="0">
+            <a:spAutoFit/>
+          </a:bodyPr>
+          <a:lstStyle/>
+          <a:p>
+            <a:r>
+              <a:rPr lang="en-US" sz="1400" i="1" dirty="0" err="1"/>
+              <a:t>img</a:t>
+            </a:r>
+            <a:r>
+              <a:rPr lang="en-US" sz="1400" i="1" dirty="0"/>
+              <a:t> raw</a:t>
+            </a:r>
+          </a:p>
+        </p:txBody>
+      </p:sp>
+      <p:sp>
+        <p:nvSpPr>
+          <p:cNvPr id="19" name="Rectangle 18">
+            <a:extLst>
+              <a:ext uri="{FF2B5EF4-FFF2-40B4-BE49-F238E27FC236}">
+                <a16:creationId xmlns:a16="http://schemas.microsoft.com/office/drawing/2014/main" id="{C8CA74E0-4D72-D246-A429-1835F8D7307F}"/>
+              </a:ext>
+            </a:extLst>
+          </p:cNvPr>
+          <p:cNvSpPr/>
+          <p:nvPr/>
+        </p:nvSpPr>
+        <p:spPr>
+          <a:xfrm>
+            <a:off x="5980040" y="1476206"/>
+            <a:ext cx="505267" cy="307777"/>
+          </a:xfrm>
+          <a:prstGeom prst="rect">
+            <a:avLst/>
+          </a:prstGeom>
+          <a:noFill/>
+        </p:spPr>
+        <p:txBody>
+          <a:bodyPr wrap="none" rtlCol="0">
+            <a:spAutoFit/>
+          </a:bodyPr>
+          <a:lstStyle/>
+          <a:p>
+            <a:r>
+              <a:rPr lang="en-US" sz="1400" i="1" dirty="0" err="1"/>
+              <a:t>uuid</a:t>
+            </a:r>
+            <a:endParaRPr lang="en-US" sz="1400" i="1" dirty="0"/>
+          </a:p>
+        </p:txBody>
+      </p:sp>
+      <p:cxnSp>
+        <p:nvCxnSpPr>
+          <p:cNvPr id="35" name="Straight Arrow Connector 34">
+            <a:extLst>
+              <a:ext uri="{FF2B5EF4-FFF2-40B4-BE49-F238E27FC236}">
+                <a16:creationId xmlns:a16="http://schemas.microsoft.com/office/drawing/2014/main" id="{BC12745A-D232-514E-A694-2863150D5F9F}"/>
+              </a:ext>
+            </a:extLst>
+          </p:cNvPr>
+          <p:cNvCxnSpPr>
+            <a:cxnSpLocks/>
+          </p:cNvCxnSpPr>
+          <p:nvPr/>
+        </p:nvCxnSpPr>
+        <p:spPr>
+          <a:xfrm>
+            <a:off x="6018913" y="3732059"/>
+            <a:ext cx="2656840" cy="0"/>
+          </a:xfrm>
+          <a:prstGeom prst="straightConnector1">
+            <a:avLst/>
+          </a:prstGeom>
+          <a:ln w="19050">
+            <a:solidFill>
+              <a:srgbClr val="FF0000"/>
+            </a:solidFill>
+            <a:headEnd type="arrow" w="med" len="med"/>
+            <a:tailEnd type="arrow" w="med" len="med"/>
+          </a:ln>
+        </p:spPr>
+        <p:style>
+          <a:lnRef idx="1">
+            <a:schemeClr val="accent1"/>
+          </a:lnRef>
+          <a:fillRef idx="0">
+            <a:schemeClr val="accent1"/>
+          </a:fillRef>
+          <a:effectRef idx="0">
+            <a:schemeClr val="accent1"/>
+          </a:effectRef>
+          <a:fontRef idx="minor">
+            <a:schemeClr val="tx1"/>
+          </a:fontRef>
+        </p:style>
+      </p:cxnSp>
+      <p:sp>
+        <p:nvSpPr>
+          <p:cNvPr id="36" name="TextBox 35">
+            <a:extLst>
+              <a:ext uri="{FF2B5EF4-FFF2-40B4-BE49-F238E27FC236}">
+                <a16:creationId xmlns:a16="http://schemas.microsoft.com/office/drawing/2014/main" id="{B2DAB098-DB9F-B144-80F1-83703C9472ED}"/>
+              </a:ext>
+            </a:extLst>
+          </p:cNvPr>
+          <p:cNvSpPr txBox="1"/>
+          <p:nvPr/>
+        </p:nvSpPr>
+        <p:spPr>
+          <a:xfrm>
+            <a:off x="6803025" y="3712872"/>
+            <a:ext cx="920445" cy="307777"/>
+          </a:xfrm>
+          <a:prstGeom prst="rect">
+            <a:avLst/>
+          </a:prstGeom>
+          <a:noFill/>
+        </p:spPr>
+        <p:txBody>
+          <a:bodyPr wrap="none" rtlCol="0">
+            <a:spAutoFit/>
+          </a:bodyPr>
+          <a:lstStyle/>
+          <a:p>
+            <a:r>
+              <a:rPr lang="en-US" sz="1400" i="1" dirty="0"/>
+              <a:t>prediction</a:t>
+            </a:r>
+          </a:p>
+        </p:txBody>
+      </p:sp>
+      <p:cxnSp>
+        <p:nvCxnSpPr>
+          <p:cNvPr id="39" name="Straight Arrow Connector 38">
+            <a:extLst>
+              <a:ext uri="{FF2B5EF4-FFF2-40B4-BE49-F238E27FC236}">
+                <a16:creationId xmlns:a16="http://schemas.microsoft.com/office/drawing/2014/main" id="{106BDE16-7ED9-6640-A1C8-CE6884CE6A54}"/>
+              </a:ext>
+            </a:extLst>
+          </p:cNvPr>
+          <p:cNvCxnSpPr>
+            <a:cxnSpLocks/>
+          </p:cNvCxnSpPr>
+          <p:nvPr/>
+        </p:nvCxnSpPr>
+        <p:spPr>
+          <a:xfrm>
+            <a:off x="8453219" y="1928094"/>
+            <a:ext cx="445067" cy="0"/>
+          </a:xfrm>
+          <a:prstGeom prst="straightConnector1">
+            <a:avLst/>
+          </a:prstGeom>
+          <a:ln w="19050">
+            <a:solidFill>
+              <a:schemeClr val="tx1"/>
+            </a:solidFill>
+            <a:headEnd type="none" w="med" len="med"/>
+            <a:tailEnd type="triangle" w="med" len="med"/>
+          </a:ln>
+        </p:spPr>
+        <p:style>
+          <a:lnRef idx="1">
+            <a:schemeClr val="accent1"/>
+          </a:lnRef>
+          <a:fillRef idx="0">
+            <a:schemeClr val="accent1"/>
+          </a:fillRef>
+          <a:effectRef idx="0">
+            <a:schemeClr val="accent1"/>
+          </a:effectRef>
+          <a:fontRef idx="minor">
+            <a:schemeClr val="tx1"/>
+          </a:fontRef>
+        </p:style>
+      </p:cxnSp>
+      <p:cxnSp>
+        <p:nvCxnSpPr>
+          <p:cNvPr id="40" name="Straight Arrow Connector 39">
+            <a:extLst>
+              <a:ext uri="{FF2B5EF4-FFF2-40B4-BE49-F238E27FC236}">
+                <a16:creationId xmlns:a16="http://schemas.microsoft.com/office/drawing/2014/main" id="{8DD2B989-EC23-9E4E-823F-DA4F579307AB}"/>
+              </a:ext>
+            </a:extLst>
+          </p:cNvPr>
+          <p:cNvCxnSpPr>
+            <a:cxnSpLocks/>
+          </p:cNvCxnSpPr>
+          <p:nvPr/>
+        </p:nvCxnSpPr>
+        <p:spPr>
+          <a:xfrm flipV="1">
+            <a:off x="9745372" y="2568449"/>
+            <a:ext cx="0" cy="328470"/>
+          </a:xfrm>
+          <a:prstGeom prst="straightConnector1">
+            <a:avLst/>
+          </a:prstGeom>
+          <a:ln w="19050">
+            <a:solidFill>
+              <a:schemeClr val="tx1"/>
+            </a:solidFill>
+            <a:headEnd type="arrow" w="med" len="med"/>
+            <a:tailEnd type="none" w="med" len="med"/>
+          </a:ln>
+        </p:spPr>
+        <p:style>
+          <a:lnRef idx="1">
+            <a:schemeClr val="accent1"/>
+          </a:lnRef>
+          <a:fillRef idx="0">
+            <a:schemeClr val="accent1"/>
+          </a:fillRef>
+          <a:effectRef idx="0">
+            <a:schemeClr val="accent1"/>
+          </a:effectRef>
+          <a:fontRef idx="minor">
+            <a:schemeClr val="tx1"/>
+          </a:fontRef>
+        </p:style>
+      </p:cxnSp>
+      <p:sp>
+        <p:nvSpPr>
+          <p:cNvPr id="31" name="TextBox 30">
+            <a:extLst>
+              <a:ext uri="{FF2B5EF4-FFF2-40B4-BE49-F238E27FC236}">
+                <a16:creationId xmlns:a16="http://schemas.microsoft.com/office/drawing/2014/main" id="{A9FD38E6-E8F8-4F4D-8B5E-76F1D699EC64}"/>
+              </a:ext>
+            </a:extLst>
+          </p:cNvPr>
+          <p:cNvSpPr txBox="1"/>
+          <p:nvPr/>
+        </p:nvSpPr>
+        <p:spPr>
+          <a:xfrm>
+            <a:off x="1275134" y="1264827"/>
+            <a:ext cx="2186945" cy="276999"/>
+          </a:xfrm>
+          <a:prstGeom prst="rect">
+            <a:avLst/>
+          </a:prstGeom>
+          <a:noFill/>
+        </p:spPr>
+        <p:txBody>
+          <a:bodyPr wrap="none" rtlCol="0">
+            <a:spAutoFit/>
+          </a:bodyPr>
+          <a:lstStyle/>
+          <a:p>
+            <a:r>
+              <a:rPr lang="en-US" sz="1200" dirty="0"/>
+              <a:t>localhost:5000/inference/image</a:t>
+            </a:r>
+          </a:p>
+        </p:txBody>
+      </p:sp>
+      <p:pic>
+        <p:nvPicPr>
+          <p:cNvPr id="1046" name="Picture 22" descr="PyTorch">
+            <a:extLst>
+              <a:ext uri="{FF2B5EF4-FFF2-40B4-BE49-F238E27FC236}">
+                <a16:creationId xmlns:a16="http://schemas.microsoft.com/office/drawing/2014/main" id="{61AE4E37-315C-BE49-9467-5FF065572371}"/>
+              </a:ext>
+            </a:extLst>
+          </p:cNvPr>
+          <p:cNvPicPr>
+            <a:picLocks noChangeAspect="1" noChangeArrowheads="1"/>
+          </p:cNvPicPr>
+          <p:nvPr/>
+        </p:nvPicPr>
+        <p:blipFill>
+          <a:blip r:embed="rId3">
+            <a:extLst>
+              <a:ext uri="{28A0092B-C50C-407E-A947-70E740481C1C}">
+                <a14:useLocalDpi xmlns:a14="http://schemas.microsoft.com/office/drawing/2010/main" val="0"/>
+              </a:ext>
+            </a:extLst>
+          </a:blip>
+          <a:srcRect/>
+          <a:stretch>
+            <a:fillRect/>
+          </a:stretch>
+        </p:blipFill>
+        <p:spPr bwMode="auto">
+          <a:xfrm>
+            <a:off x="9732959" y="1964915"/>
+            <a:ext cx="782574" cy="782574"/>
+          </a:xfrm>
+          <a:prstGeom prst="rect">
+            <a:avLst/>
+          </a:prstGeom>
+          <a:noFill/>
+          <a:extLst>
+            <a:ext uri="{909E8E84-426E-40DD-AFC4-6F175D3DCCD1}">
+              <a14:hiddenFill xmlns:a14="http://schemas.microsoft.com/office/drawing/2010/main">
+                <a:solidFill>
+                  <a:srgbClr val="FFFFFF"/>
+                </a:solidFill>
+              </a14:hiddenFill>
+            </a:ext>
+          </a:extLst>
+        </p:spPr>
+      </p:pic>
+      <p:pic>
+        <p:nvPicPr>
+          <p:cNvPr id="1048" name="Picture 24" descr="Messaging that just works — RabbitMQ">
+            <a:extLst>
+              <a:ext uri="{FF2B5EF4-FFF2-40B4-BE49-F238E27FC236}">
+                <a16:creationId xmlns:a16="http://schemas.microsoft.com/office/drawing/2014/main" id="{87D6375D-6EE8-1F4A-817B-18A8162731B1}"/>
+              </a:ext>
+            </a:extLst>
+          </p:cNvPr>
+          <p:cNvPicPr>
+            <a:picLocks noChangeAspect="1" noChangeArrowheads="1"/>
+          </p:cNvPicPr>
+          <p:nvPr/>
+        </p:nvPicPr>
+        <p:blipFill>
+          <a:blip r:embed="rId4">
+            <a:extLst>
+              <a:ext uri="{28A0092B-C50C-407E-A947-70E740481C1C}">
+                <a14:useLocalDpi xmlns:a14="http://schemas.microsoft.com/office/drawing/2010/main" val="0"/>
+              </a:ext>
+            </a:extLst>
+          </a:blip>
+          <a:srcRect/>
+          <a:stretch>
+            <a:fillRect/>
+          </a:stretch>
+        </p:blipFill>
+        <p:spPr bwMode="auto">
+          <a:xfrm>
+            <a:off x="6687787" y="993640"/>
+            <a:ext cx="1645330" cy="254462"/>
+          </a:xfrm>
+          <a:prstGeom prst="rect">
+            <a:avLst/>
+          </a:prstGeom>
+          <a:noFill/>
+          <a:extLst>
+            <a:ext uri="{909E8E84-426E-40DD-AFC4-6F175D3DCCD1}">
+              <a14:hiddenFill xmlns:a14="http://schemas.microsoft.com/office/drawing/2010/main">
+                <a:solidFill>
+                  <a:srgbClr val="FFFFFF"/>
+                </a:solidFill>
+              </a14:hiddenFill>
+            </a:ext>
+          </a:extLst>
+        </p:spPr>
+      </p:pic>
+      <p:cxnSp>
+        <p:nvCxnSpPr>
+          <p:cNvPr id="34" name="Straight Arrow Connector 33">
+            <a:extLst>
+              <a:ext uri="{FF2B5EF4-FFF2-40B4-BE49-F238E27FC236}">
+                <a16:creationId xmlns:a16="http://schemas.microsoft.com/office/drawing/2014/main" id="{7CF448E8-D691-AE4D-AB4E-750D65028CE1}"/>
+              </a:ext>
+            </a:extLst>
+          </p:cNvPr>
+          <p:cNvCxnSpPr>
+            <a:cxnSpLocks/>
+          </p:cNvCxnSpPr>
+          <p:nvPr/>
+        </p:nvCxnSpPr>
+        <p:spPr>
+          <a:xfrm>
+            <a:off x="3886200" y="1928094"/>
+            <a:ext cx="436880" cy="0"/>
+          </a:xfrm>
+          <a:prstGeom prst="straightConnector1">
+            <a:avLst/>
+          </a:prstGeom>
+          <a:ln w="19050">
+            <a:solidFill>
+              <a:schemeClr val="tx1"/>
+            </a:solidFill>
+            <a:headEnd type="none" w="med" len="med"/>
+            <a:tailEnd type="triangle" w="med" len="med"/>
+          </a:ln>
+        </p:spPr>
+        <p:style>
+          <a:lnRef idx="1">
+            <a:schemeClr val="accent1"/>
+          </a:lnRef>
+          <a:fillRef idx="0">
+            <a:schemeClr val="accent1"/>
+          </a:fillRef>
+          <a:effectRef idx="0">
+            <a:schemeClr val="accent1"/>
+          </a:effectRef>
+          <a:fontRef idx="minor">
+            <a:schemeClr val="tx1"/>
+          </a:fontRef>
+        </p:style>
+      </p:cxnSp>
+      <p:sp>
+        <p:nvSpPr>
+          <p:cNvPr id="4" name="TextBox 3">
+            <a:extLst>
+              <a:ext uri="{FF2B5EF4-FFF2-40B4-BE49-F238E27FC236}">
+                <a16:creationId xmlns:a16="http://schemas.microsoft.com/office/drawing/2014/main" id="{B6838234-2376-3743-AD19-395C99B6BB8A}"/>
+              </a:ext>
+            </a:extLst>
+          </p:cNvPr>
+          <p:cNvSpPr txBox="1"/>
+          <p:nvPr/>
+        </p:nvSpPr>
+        <p:spPr>
+          <a:xfrm>
+            <a:off x="432336" y="2677618"/>
+            <a:ext cx="1553054" cy="338554"/>
+          </a:xfrm>
+          <a:prstGeom prst="rect">
+            <a:avLst/>
+          </a:prstGeom>
+          <a:noFill/>
+        </p:spPr>
+        <p:txBody>
+          <a:bodyPr wrap="none" rtlCol="0">
+            <a:spAutoFit/>
+          </a:bodyPr>
+          <a:lstStyle/>
+          <a:p>
+            <a:pPr marL="342900" indent="-342900">
+              <a:buAutoNum type="arabicParenBoth"/>
+            </a:pPr>
+            <a:r>
+              <a:rPr lang="en-US" sz="1600" dirty="0">
+                <a:solidFill>
+                  <a:srgbClr val="FF0000"/>
+                </a:solidFill>
+              </a:rPr>
+              <a:t>Get Request</a:t>
+            </a:r>
+          </a:p>
+        </p:txBody>
+      </p:sp>
+      <p:cxnSp>
+        <p:nvCxnSpPr>
+          <p:cNvPr id="46" name="Straight Arrow Connector 45">
+            <a:extLst>
+              <a:ext uri="{FF2B5EF4-FFF2-40B4-BE49-F238E27FC236}">
+                <a16:creationId xmlns:a16="http://schemas.microsoft.com/office/drawing/2014/main" id="{C072DFA9-FB33-0548-B4BE-4847AE05BDF2}"/>
+              </a:ext>
+            </a:extLst>
+          </p:cNvPr>
+          <p:cNvCxnSpPr>
+            <a:cxnSpLocks/>
+          </p:cNvCxnSpPr>
+          <p:nvPr/>
+        </p:nvCxnSpPr>
+        <p:spPr>
+          <a:xfrm flipV="1">
+            <a:off x="9408059" y="2568449"/>
+            <a:ext cx="0" cy="328470"/>
+          </a:xfrm>
+          <a:prstGeom prst="straightConnector1">
+            <a:avLst/>
+          </a:prstGeom>
+          <a:ln w="19050">
+            <a:solidFill>
+              <a:schemeClr val="tx1"/>
+            </a:solidFill>
+            <a:headEnd type="none" w="med" len="med"/>
+            <a:tailEnd type="triangle" w="med" len="med"/>
+          </a:ln>
+        </p:spPr>
+        <p:style>
+          <a:lnRef idx="1">
+            <a:schemeClr val="accent1"/>
+          </a:lnRef>
+          <a:fillRef idx="0">
+            <a:schemeClr val="accent1"/>
+          </a:fillRef>
+          <a:effectRef idx="0">
+            <a:schemeClr val="accent1"/>
+          </a:effectRef>
+          <a:fontRef idx="minor">
+            <a:schemeClr val="tx1"/>
+          </a:fontRef>
+        </p:style>
+      </p:cxnSp>
+      <p:sp>
+        <p:nvSpPr>
+          <p:cNvPr id="41" name="TextBox 40">
+            <a:extLst>
+              <a:ext uri="{FF2B5EF4-FFF2-40B4-BE49-F238E27FC236}">
+                <a16:creationId xmlns:a16="http://schemas.microsoft.com/office/drawing/2014/main" id="{70C4226A-A388-8042-8FF5-00B2BBBFAD67}"/>
+              </a:ext>
+            </a:extLst>
+          </p:cNvPr>
+          <p:cNvSpPr txBox="1"/>
+          <p:nvPr/>
+        </p:nvSpPr>
+        <p:spPr>
+          <a:xfrm>
+            <a:off x="4555134" y="3137804"/>
+            <a:ext cx="1123321" cy="307777"/>
+          </a:xfrm>
+          <a:prstGeom prst="rect">
+            <a:avLst/>
+          </a:prstGeom>
+          <a:noFill/>
+        </p:spPr>
+        <p:txBody>
+          <a:bodyPr wrap="none" rtlCol="0">
+            <a:spAutoFit/>
+          </a:bodyPr>
+          <a:lstStyle/>
+          <a:p>
+            <a:pPr algn="ctr"/>
+            <a:r>
+              <a:rPr lang="en-US" sz="1400" dirty="0">
+                <a:solidFill>
+                  <a:srgbClr val="FF0000"/>
+                </a:solidFill>
+              </a:rPr>
+              <a:t>(2) Query DB</a:t>
+            </a:r>
+          </a:p>
+        </p:txBody>
+      </p:sp>
+      <p:sp>
+        <p:nvSpPr>
+          <p:cNvPr id="45" name="TextBox 44">
+            <a:extLst>
+              <a:ext uri="{FF2B5EF4-FFF2-40B4-BE49-F238E27FC236}">
+                <a16:creationId xmlns:a16="http://schemas.microsoft.com/office/drawing/2014/main" id="{EBEFF6EC-ECC8-6743-97DF-B7D56DBA4B90}"/>
+              </a:ext>
+            </a:extLst>
+          </p:cNvPr>
+          <p:cNvSpPr txBox="1"/>
+          <p:nvPr/>
+        </p:nvSpPr>
+        <p:spPr>
+          <a:xfrm>
+            <a:off x="4591114" y="3496774"/>
+            <a:ext cx="1105559" cy="523220"/>
+          </a:xfrm>
+          <a:prstGeom prst="rect">
+            <a:avLst/>
+          </a:prstGeom>
+          <a:noFill/>
+        </p:spPr>
+        <p:txBody>
+          <a:bodyPr wrap="none" rtlCol="0">
+            <a:spAutoFit/>
+          </a:bodyPr>
+          <a:lstStyle/>
+          <a:p>
+            <a:pPr algn="ctr"/>
+            <a:r>
+              <a:rPr lang="en-US" sz="1400" dirty="0">
+                <a:solidFill>
+                  <a:srgbClr val="FF0000"/>
+                </a:solidFill>
+              </a:rPr>
+              <a:t>(3) Generate</a:t>
+            </a:r>
+            <a:br>
+              <a:rPr lang="en-US" sz="1400" dirty="0">
+                <a:solidFill>
+                  <a:srgbClr val="FF0000"/>
+                </a:solidFill>
+              </a:rPr>
+            </a:br>
+            <a:r>
+              <a:rPr lang="en-US" sz="1400" dirty="0">
+                <a:solidFill>
+                  <a:srgbClr val="FF0000"/>
+                </a:solidFill>
+              </a:rPr>
+              <a:t>Response</a:t>
+            </a:r>
+          </a:p>
+        </p:txBody>
+      </p:sp>
+      <p:sp>
+        <p:nvSpPr>
+          <p:cNvPr id="2" name="TextBox 1">
+            <a:extLst>
+              <a:ext uri="{FF2B5EF4-FFF2-40B4-BE49-F238E27FC236}">
+                <a16:creationId xmlns:a16="http://schemas.microsoft.com/office/drawing/2014/main" id="{F35A0A45-3CE2-B248-BE1C-0DC9A1924499}"/>
+              </a:ext>
+            </a:extLst>
+          </p:cNvPr>
+          <p:cNvSpPr txBox="1"/>
+          <p:nvPr/>
+        </p:nvSpPr>
+        <p:spPr>
+          <a:xfrm>
+            <a:off x="337885" y="3895208"/>
+            <a:ext cx="1796839" cy="276999"/>
+          </a:xfrm>
+          <a:prstGeom prst="rect">
+            <a:avLst/>
+          </a:prstGeom>
+          <a:noFill/>
+        </p:spPr>
+        <p:txBody>
+          <a:bodyPr wrap="none" rtlCol="0">
+            <a:spAutoFit/>
+          </a:bodyPr>
+          <a:lstStyle/>
+          <a:p>
+            <a:r>
+              <a:rPr lang="en-CA" sz="1200" dirty="0">
+                <a:solidFill>
+                  <a:srgbClr val="FF0000"/>
+                </a:solidFill>
+              </a:rPr>
+              <a:t>{ "prediction": "dogsled" }</a:t>
+            </a:r>
+            <a:endParaRPr lang="en-US" sz="1200" dirty="0">
+              <a:solidFill>
+                <a:srgbClr val="FF0000"/>
+              </a:solidFill>
+            </a:endParaRPr>
+          </a:p>
+        </p:txBody>
+      </p:sp>
+      <p:sp>
+        <p:nvSpPr>
+          <p:cNvPr id="12" name="Rectangle 11">
+            <a:extLst>
+              <a:ext uri="{FF2B5EF4-FFF2-40B4-BE49-F238E27FC236}">
+                <a16:creationId xmlns:a16="http://schemas.microsoft.com/office/drawing/2014/main" id="{BEE4FEFF-D215-0F44-BCA5-A2655F39A6CB}"/>
+              </a:ext>
+            </a:extLst>
+          </p:cNvPr>
+          <p:cNvSpPr/>
+          <p:nvPr/>
+        </p:nvSpPr>
+        <p:spPr>
+          <a:xfrm>
+            <a:off x="186515" y="3016172"/>
+            <a:ext cx="2270173" cy="261610"/>
+          </a:xfrm>
+          <a:prstGeom prst="rect">
+            <a:avLst/>
+          </a:prstGeom>
+        </p:spPr>
+        <p:txBody>
+          <a:bodyPr wrap="none">
+            <a:spAutoFit/>
+          </a:bodyPr>
+          <a:lstStyle/>
+          <a:p>
+            <a:r>
+              <a:rPr lang="en-CA" sz="1100" dirty="0">
+                <a:solidFill>
+                  <a:srgbClr val="FF0000"/>
+                </a:solidFill>
+              </a:rPr>
+              <a:t>localhost:5000/predictions/&lt;UUID&gt;</a:t>
+            </a:r>
+            <a:endParaRPr lang="en-US" sz="1100" dirty="0">
+              <a:solidFill>
+                <a:srgbClr val="FF0000"/>
+              </a:solidFill>
+            </a:endParaRPr>
+          </a:p>
+        </p:txBody>
+      </p:sp>
+      <p:cxnSp>
+        <p:nvCxnSpPr>
+          <p:cNvPr id="48" name="Straight Arrow Connector 47">
+            <a:extLst>
+              <a:ext uri="{FF2B5EF4-FFF2-40B4-BE49-F238E27FC236}">
+                <a16:creationId xmlns:a16="http://schemas.microsoft.com/office/drawing/2014/main" id="{0EC877CE-1D07-C949-98BA-A017F55AAC6E}"/>
+              </a:ext>
+            </a:extLst>
+          </p:cNvPr>
+          <p:cNvCxnSpPr>
+            <a:cxnSpLocks/>
+          </p:cNvCxnSpPr>
+          <p:nvPr/>
+        </p:nvCxnSpPr>
+        <p:spPr>
+          <a:xfrm>
+            <a:off x="3928872" y="3697703"/>
+            <a:ext cx="436880" cy="0"/>
+          </a:xfrm>
+          <a:prstGeom prst="straightConnector1">
+            <a:avLst/>
+          </a:prstGeom>
+          <a:ln w="19050">
+            <a:solidFill>
+              <a:srgbClr val="FF0000"/>
+            </a:solidFill>
+            <a:headEnd type="arrow" w="med" len="med"/>
+            <a:tailEnd type="none" w="med" len="med"/>
+          </a:ln>
+        </p:spPr>
+        <p:style>
+          <a:lnRef idx="1">
+            <a:schemeClr val="accent1"/>
+          </a:lnRef>
+          <a:fillRef idx="0">
+            <a:schemeClr val="accent1"/>
+          </a:fillRef>
+          <a:effectRef idx="0">
+            <a:schemeClr val="accent1"/>
+          </a:effectRef>
+          <a:fontRef idx="minor">
+            <a:schemeClr val="tx1"/>
+          </a:fontRef>
+        </p:style>
+      </p:cxnSp>
+      <p:cxnSp>
+        <p:nvCxnSpPr>
+          <p:cNvPr id="49" name="Straight Arrow Connector 48">
+            <a:extLst>
+              <a:ext uri="{FF2B5EF4-FFF2-40B4-BE49-F238E27FC236}">
+                <a16:creationId xmlns:a16="http://schemas.microsoft.com/office/drawing/2014/main" id="{10092702-AC9E-4848-9072-1B2496916F1E}"/>
+              </a:ext>
+            </a:extLst>
+          </p:cNvPr>
+          <p:cNvCxnSpPr>
+            <a:cxnSpLocks/>
+          </p:cNvCxnSpPr>
+          <p:nvPr/>
+        </p:nvCxnSpPr>
+        <p:spPr>
+          <a:xfrm>
+            <a:off x="3928872" y="3311682"/>
+            <a:ext cx="436880" cy="0"/>
+          </a:xfrm>
+          <a:prstGeom prst="straightConnector1">
+            <a:avLst/>
+          </a:prstGeom>
+          <a:ln w="19050">
+            <a:solidFill>
+              <a:srgbClr val="FF0000"/>
+            </a:solidFill>
+            <a:headEnd type="none" w="med" len="med"/>
+            <a:tailEnd type="triangle" w="med" len="med"/>
+          </a:ln>
+        </p:spPr>
+        <p:style>
+          <a:lnRef idx="1">
+            <a:schemeClr val="accent1"/>
+          </a:lnRef>
+          <a:fillRef idx="0">
+            <a:schemeClr val="accent1"/>
+          </a:fillRef>
+          <a:effectRef idx="0">
+            <a:schemeClr val="accent1"/>
+          </a:effectRef>
+          <a:fontRef idx="minor">
+            <a:schemeClr val="tx1"/>
+          </a:fontRef>
+        </p:style>
+      </p:cxnSp>
+      <p:sp>
+        <p:nvSpPr>
+          <p:cNvPr id="51" name="TextBox 50">
+            <a:extLst>
+              <a:ext uri="{FF2B5EF4-FFF2-40B4-BE49-F238E27FC236}">
+                <a16:creationId xmlns:a16="http://schemas.microsoft.com/office/drawing/2014/main" id="{4A2CB811-F2A7-B448-857A-A41636456C02}"/>
+              </a:ext>
+            </a:extLst>
+          </p:cNvPr>
+          <p:cNvSpPr txBox="1"/>
+          <p:nvPr/>
+        </p:nvSpPr>
+        <p:spPr>
+          <a:xfrm>
+            <a:off x="423182" y="3580219"/>
+            <a:ext cx="1258293" cy="338554"/>
+          </a:xfrm>
+          <a:prstGeom prst="rect">
+            <a:avLst/>
+          </a:prstGeom>
+          <a:noFill/>
+        </p:spPr>
+        <p:txBody>
+          <a:bodyPr wrap="none" rtlCol="0">
+            <a:spAutoFit/>
+          </a:bodyPr>
+          <a:lstStyle/>
+          <a:p>
+            <a:r>
+              <a:rPr lang="en-US" sz="1600" dirty="0">
+                <a:solidFill>
+                  <a:srgbClr val="FF0000"/>
+                </a:solidFill>
+              </a:rPr>
+              <a:t>(3) Response</a:t>
+            </a:r>
+          </a:p>
+        </p:txBody>
+      </p:sp>
+    </p:spTree>
+    <p:extLst>
+      <p:ext uri="{BB962C8B-B14F-4D97-AF65-F5344CB8AC3E}">
+        <p14:creationId xmlns:p14="http://schemas.microsoft.com/office/powerpoint/2010/main" val="1960860723"/>
+      </p:ext>
+    </p:extLst>
+  </p:cSld>
+  <p:clrMapOvr>
+    <a:masterClrMapping/>
+  </p:clrMapOvr>
+</p:sld>
+</file>
+
 <file path=ppt/theme/theme1.xml><?xml version="1.0" encoding="utf-8"?>
 <a:theme xmlns:a="http://schemas.openxmlformats.org/drawingml/2006/main" name="Office Theme">
   <a:themeElements>
